--- a/Diapo-&-co/150224 P4 Info 1.pptx
+++ b/Diapo-&-co/150224 P4 Info 1.pptx
@@ -5,7 +5,7 @@
     <p:sldMasterId id="2147483845" r:id="rId1"/>
   </p:sldMasterIdLst>
   <p:notesMasterIdLst>
-    <p:notesMasterId r:id="rId16"/>
+    <p:notesMasterId r:id="rId17"/>
   </p:notesMasterIdLst>
   <p:sldIdLst>
     <p:sldId id="256" r:id="rId2"/>
@@ -15,13 +15,14 @@
     <p:sldId id="267" r:id="rId6"/>
     <p:sldId id="268" r:id="rId7"/>
     <p:sldId id="258" r:id="rId8"/>
-    <p:sldId id="259" r:id="rId9"/>
-    <p:sldId id="261" r:id="rId10"/>
-    <p:sldId id="271" r:id="rId11"/>
-    <p:sldId id="265" r:id="rId12"/>
-    <p:sldId id="269" r:id="rId13"/>
-    <p:sldId id="270" r:id="rId14"/>
-    <p:sldId id="262" r:id="rId15"/>
+    <p:sldId id="272" r:id="rId9"/>
+    <p:sldId id="273" r:id="rId10"/>
+    <p:sldId id="261" r:id="rId11"/>
+    <p:sldId id="271" r:id="rId12"/>
+    <p:sldId id="265" r:id="rId13"/>
+    <p:sldId id="269" r:id="rId14"/>
+    <p:sldId id="270" r:id="rId15"/>
+    <p:sldId id="262" r:id="rId16"/>
   </p:sldIdLst>
   <p:sldSz cx="12192000" cy="6858000"/>
   <p:notesSz cx="6858000" cy="9144000"/>
@@ -3480,8 +3481,8 @@
         </p:nvSpPr>
         <p:spPr>
           <a:xfrm>
-            <a:off x="1154955" y="295729"/>
-            <a:ext cx="8825658" cy="3329581"/>
+            <a:off x="1154955" y="263611"/>
+            <a:ext cx="8825658" cy="997440"/>
           </a:xfrm>
         </p:spPr>
         <p:txBody>
@@ -3508,19 +3509,20 @@
         </p:nvSpPr>
         <p:spPr>
           <a:xfrm>
-            <a:off x="1154955" y="3625310"/>
-            <a:ext cx="8825658" cy="861420"/>
-          </a:xfrm>
-        </p:spPr>
-        <p:txBody>
-          <a:bodyPr/>
-          <a:lstStyle/>
-          <a:p>
-            <a:r>
-              <a:rPr lang="fr-FR" dirty="0" smtClean="0"/>
-              <a:t>Le Jeu de Quarto</a:t>
-            </a:r>
-            <a:endParaRPr lang="fr-FR" dirty="0"/>
+            <a:off x="1154955" y="2966283"/>
+            <a:ext cx="8825658" cy="394755"/>
+          </a:xfrm>
+        </p:spPr>
+        <p:txBody>
+          <a:bodyPr>
+            <a:noAutofit/>
+          </a:bodyPr>
+          <a:lstStyle/>
+          <a:p>
+            <a:r>
+              <a:rPr lang="fr-FR" sz="4400" dirty="0" smtClean="0"/>
+              <a:t>Création d’un jeu de Quarto</a:t>
+            </a:r>
           </a:p>
         </p:txBody>
       </p:sp>
@@ -3540,10 +3542,14 @@
           <a:lstStyle/>
           <a:p>
             <a:r>
-              <a:rPr lang="fr-FR" dirty="0" smtClean="0"/>
-              <a:t>07/01/2015</a:t>
-            </a:r>
-            <a:endParaRPr lang="fr-FR" dirty="0"/>
+              <a:rPr lang="fr-FR" sz="2400" dirty="0" smtClean="0"/>
+              <a:t>24</a:t>
+            </a:r>
+            <a:r>
+              <a:rPr lang="fr-FR" sz="2400" dirty="0" smtClean="0"/>
+              <a:t>/02/2015</a:t>
+            </a:r>
+            <a:endParaRPr lang="fr-FR" sz="2400" dirty="0"/>
           </a:p>
         </p:txBody>
       </p:sp>
@@ -3563,10 +3569,10 @@
           <a:lstStyle/>
           <a:p>
             <a:r>
-              <a:rPr lang="fr-FR" smtClean="0"/>
+              <a:rPr lang="fr-FR" sz="2400" smtClean="0"/>
               <a:t>Jeu de Quarto</a:t>
             </a:r>
-            <a:endParaRPr lang="fr-FR"/>
+            <a:endParaRPr lang="fr-FR" sz="2400"/>
           </a:p>
         </p:txBody>
       </p:sp>
@@ -3583,15 +3589,15 @@
         <p:spPr/>
         <p:txBody>
           <a:bodyPr>
-            <a:normAutofit/>
+            <a:noAutofit/>
           </a:bodyPr>
           <a:lstStyle/>
           <a:p>
             <a:fld id="{C2A51A7B-750C-4F70-8C54-D8A3C546085B}" type="slidenum">
-              <a:rPr lang="fr-FR" smtClean="0"/>
+              <a:rPr lang="fr-FR" sz="2400" smtClean="0"/>
               <a:t>1</a:t>
             </a:fld>
-            <a:endParaRPr lang="fr-FR"/>
+            <a:endParaRPr lang="fr-FR" sz="2400"/>
           </a:p>
         </p:txBody>
       </p:sp>
@@ -3655,84 +3661,196 @@
               <a:rPr lang="fr-FR" dirty="0" smtClean="0"/>
             </a:br>
             <a:r>
+              <a:rPr lang="fr-FR" sz="2800" dirty="0"/>
+              <a:t>	</a:t>
+            </a:r>
+            <a:r>
+              <a:rPr lang="fr-FR" sz="2800" dirty="0" smtClean="0"/>
+              <a:t>Première phase du projet</a:t>
+            </a:r>
+            <a:endParaRPr lang="fr-FR" dirty="0"/>
+          </a:p>
+        </p:txBody>
+      </p:sp>
+      <p:sp>
+        <p:nvSpPr>
+          <p:cNvPr id="3" name="Espace réservé du contenu 2"/>
+          <p:cNvSpPr>
+            <a:spLocks noGrp="1"/>
+          </p:cNvSpPr>
+          <p:nvPr>
+            <p:ph idx="1"/>
+          </p:nvPr>
+        </p:nvSpPr>
+        <p:spPr/>
+        <p:txBody>
+          <a:bodyPr>
+            <a:normAutofit fontScale="92500" lnSpcReduction="10000"/>
+          </a:bodyPr>
+          <a:lstStyle/>
+          <a:p>
+            <a:pPr>
+              <a:buClr>
+                <a:schemeClr val="accent2">
+                  <a:lumMod val="75000"/>
+                </a:schemeClr>
+              </a:buClr>
+            </a:pPr>
+            <a:r>
+              <a:rPr lang="fr-FR" dirty="0" smtClean="0"/>
+              <a:t>Apprentissage du Java </a:t>
+            </a:r>
+          </a:p>
+          <a:p>
+            <a:pPr lvl="1">
+              <a:buClr>
+                <a:schemeClr val="accent2">
+                  <a:lumMod val="75000"/>
+                </a:schemeClr>
+              </a:buClr>
+            </a:pPr>
+            <a:r>
+              <a:rPr lang="fr-FR" dirty="0" smtClean="0"/>
+              <a:t>Choix d’un environnement de développement</a:t>
+            </a:r>
+          </a:p>
+          <a:p>
+            <a:pPr lvl="1">
+              <a:buClr>
+                <a:schemeClr val="accent2">
+                  <a:lumMod val="75000"/>
+                </a:schemeClr>
+              </a:buClr>
+            </a:pPr>
+            <a:r>
               <a:rPr lang="fr-FR" dirty="0"/>
-              <a:t>	</a:t>
-            </a:r>
-            <a:r>
-              <a:rPr lang="fr-FR" sz="2800" dirty="0" smtClean="0">
-                <a:solidFill>
-                  <a:schemeClr val="bg2">
-                    <a:lumMod val="10000"/>
-                  </a:schemeClr>
-                </a:solidFill>
-              </a:rPr>
-              <a:t>Modification du jeu de dames</a:t>
-            </a:r>
-            <a:endParaRPr lang="fr-FR" dirty="0"/>
-          </a:p>
-        </p:txBody>
-      </p:sp>
-      <p:sp>
-        <p:nvSpPr>
-          <p:cNvPr id="3" name="Espace réservé du contenu 2"/>
-          <p:cNvSpPr>
-            <a:spLocks noGrp="1"/>
-          </p:cNvSpPr>
-          <p:nvPr>
-            <p:ph idx="1"/>
-          </p:nvPr>
-        </p:nvSpPr>
-        <p:spPr/>
-        <p:txBody>
-          <a:bodyPr/>
-          <a:lstStyle/>
-          <a:p>
-            <a:pPr marL="0" indent="0">
-              <a:buNone/>
-            </a:pPr>
-            <a:r>
-              <a:rPr lang="fr-FR" dirty="0" smtClean="0"/>
-              <a:t>Nous sommes partis du jeu de Dames, donné par </a:t>
-            </a:r>
-            <a:r>
-              <a:rPr lang="fr-FR" dirty="0" err="1" smtClean="0"/>
-              <a:t>M.Haddad</a:t>
-            </a:r>
-            <a:r>
-              <a:rPr lang="fr-FR" dirty="0" smtClean="0"/>
-              <a:t> et nous avons :</a:t>
-            </a:r>
-          </a:p>
-          <a:p>
-            <a:pPr lvl="1"/>
-            <a:r>
-              <a:rPr lang="fr-FR" dirty="0" smtClean="0"/>
-              <a:t>Modifié son aspect graphique, affichage des pions,  des cases …</a:t>
-            </a:r>
-          </a:p>
-          <a:p>
-            <a:pPr lvl="1"/>
-            <a:r>
-              <a:rPr lang="fr-FR" dirty="0" smtClean="0"/>
-              <a:t>Implémenter de nouvelles fonctionnalités (manger plusieurs pions à la suites, en arrière…)</a:t>
+              <a:t>(10% du projet) </a:t>
             </a:r>
           </a:p>
           <a:p>
             <a:pPr marL="457200" lvl="1" indent="0">
+              <a:buClr>
+                <a:schemeClr val="accent2">
+                  <a:lumMod val="75000"/>
+                </a:schemeClr>
+              </a:buClr>
               <a:buNone/>
             </a:pPr>
             <a:endParaRPr lang="fr-FR" dirty="0" smtClean="0"/>
           </a:p>
           <a:p>
-            <a:pPr marL="0" indent="0">
-              <a:buNone/>
+            <a:pPr>
+              <a:buClr>
+                <a:schemeClr val="accent2">
+                  <a:lumMod val="75000"/>
+                </a:schemeClr>
+              </a:buClr>
             </a:pPr>
             <a:r>
               <a:rPr lang="fr-FR" dirty="0" smtClean="0"/>
-              <a:t>Ceci nous a permit de prendre en main les outils, et de pouvoir mieux imaginer la structure du futur Quarto.</a:t>
-            </a:r>
+              <a:t>Prise en main du Java en modifiant un jeu existant (jeu de dame)</a:t>
+            </a:r>
+          </a:p>
+          <a:p>
+            <a:pPr lvl="1">
+              <a:buClr>
+                <a:schemeClr val="accent2">
+                  <a:lumMod val="75000"/>
+                </a:schemeClr>
+              </a:buClr>
+            </a:pPr>
+            <a:r>
+              <a:rPr lang="fr-FR" dirty="0" smtClean="0"/>
+              <a:t>Modification graphique, création d’une IA de base</a:t>
+            </a:r>
+          </a:p>
+          <a:p>
+            <a:pPr lvl="1">
+              <a:buClr>
+                <a:schemeClr val="accent2">
+                  <a:lumMod val="75000"/>
+                </a:schemeClr>
+              </a:buClr>
+            </a:pPr>
+            <a:r>
+              <a:rPr lang="fr-FR" dirty="0"/>
+              <a:t>(10% du projet) </a:t>
+            </a:r>
+            <a:endParaRPr lang="fr-FR" dirty="0" smtClean="0"/>
+          </a:p>
+          <a:p>
+            <a:pPr lvl="1">
+              <a:buClr>
+                <a:schemeClr val="accent2">
+                  <a:lumMod val="75000"/>
+                </a:schemeClr>
+              </a:buClr>
+            </a:pPr>
             <a:endParaRPr lang="fr-FR" dirty="0"/>
           </a:p>
+          <a:p>
+            <a:pPr>
+              <a:buClr>
+                <a:schemeClr val="accent2">
+                  <a:lumMod val="75000"/>
+                </a:schemeClr>
+              </a:buClr>
+            </a:pPr>
+            <a:r>
+              <a:rPr lang="fr-FR" dirty="0" smtClean="0"/>
+              <a:t>Prise en main du jeu de Quarto</a:t>
+            </a:r>
+          </a:p>
+          <a:p>
+            <a:pPr lvl="1">
+              <a:buClr>
+                <a:schemeClr val="accent2">
+                  <a:lumMod val="75000"/>
+                </a:schemeClr>
+              </a:buClr>
+            </a:pPr>
+            <a:r>
+              <a:rPr lang="fr-FR" dirty="0" smtClean="0"/>
+              <a:t>Mécaniques principales</a:t>
+            </a:r>
+          </a:p>
+          <a:p>
+            <a:pPr lvl="1">
+              <a:buClr>
+                <a:schemeClr val="accent2">
+                  <a:lumMod val="75000"/>
+                </a:schemeClr>
+              </a:buClr>
+            </a:pPr>
+            <a:r>
+              <a:rPr lang="fr-FR" dirty="0" smtClean="0"/>
+              <a:t>Stratégies gagnantes</a:t>
+            </a:r>
+          </a:p>
+          <a:p>
+            <a:pPr lvl="1">
+              <a:buClr>
+                <a:schemeClr val="accent2">
+                  <a:lumMod val="75000"/>
+                </a:schemeClr>
+              </a:buClr>
+            </a:pPr>
+            <a:r>
+              <a:rPr lang="fr-FR" dirty="0"/>
+              <a:t>(10% du projet) </a:t>
+            </a:r>
+          </a:p>
+          <a:p>
+            <a:pPr lvl="1"/>
+            <a:endParaRPr lang="fr-FR" dirty="0" smtClean="0"/>
+          </a:p>
+          <a:p>
+            <a:pPr lvl="1"/>
+            <a:endParaRPr lang="fr-FR" dirty="0" smtClean="0"/>
+          </a:p>
+          <a:p>
+            <a:endParaRPr lang="fr-FR" dirty="0"/>
+          </a:p>
         </p:txBody>
       </p:sp>
       <p:sp>
@@ -3751,10 +3869,10 @@
           <a:lstStyle/>
           <a:p>
             <a:r>
-              <a:rPr lang="fr-FR" smtClean="0"/>
-              <a:t>07/01/2015</a:t>
-            </a:r>
-            <a:endParaRPr lang="fr-FR"/>
+              <a:rPr lang="fr-FR" sz="2400" dirty="0" smtClean="0"/>
+              <a:t>24/02/2015</a:t>
+            </a:r>
+            <a:endParaRPr lang="fr-FR" sz="2400" dirty="0"/>
           </a:p>
         </p:txBody>
       </p:sp>
@@ -3774,10 +3892,10 @@
           <a:lstStyle/>
           <a:p>
             <a:r>
-              <a:rPr lang="fr-FR" smtClean="0"/>
+              <a:rPr lang="fr-FR" sz="2400" dirty="0" smtClean="0"/>
               <a:t>Jeu de Quarto</a:t>
             </a:r>
-            <a:endParaRPr lang="fr-FR"/>
+            <a:endParaRPr lang="fr-FR" sz="2400" dirty="0"/>
           </a:p>
         </p:txBody>
       </p:sp>
@@ -3793,27 +3911,36 @@
         </p:nvSpPr>
         <p:spPr/>
         <p:txBody>
-          <a:bodyPr/>
+          <a:bodyPr>
+            <a:noAutofit/>
+          </a:bodyPr>
           <a:lstStyle/>
           <a:p>
             <a:fld id="{C2A51A7B-750C-4F70-8C54-D8A3C546085B}" type="slidenum">
-              <a:rPr lang="fr-FR" smtClean="0"/>
+              <a:rPr lang="fr-FR" sz="2400" smtClean="0"/>
               <a:t>10</a:t>
             </a:fld>
-            <a:endParaRPr lang="fr-FR"/>
+            <a:endParaRPr lang="fr-FR" sz="2400" dirty="0"/>
           </a:p>
         </p:txBody>
       </p:sp>
     </p:spTree>
     <p:extLst>
       <p:ext uri="{BB962C8B-B14F-4D97-AF65-F5344CB8AC3E}">
-        <p14:creationId xmlns:p14="http://schemas.microsoft.com/office/powerpoint/2010/main" val="38206453"/>
+        <p14:creationId xmlns:p14="http://schemas.microsoft.com/office/powerpoint/2010/main" val="594575140"/>
       </p:ext>
     </p:extLst>
   </p:cSld>
   <p:clrMapOvr>
     <a:masterClrMapping/>
   </p:clrMapOvr>
+  <p:timing>
+    <p:tnLst>
+      <p:par>
+        <p:cTn id="1" dur="indefinite" restart="never" nodeType="tmRoot"/>
+      </p:par>
+    </p:tnLst>
+  </p:timing>
 </p:sld>
 </file>
 
@@ -3851,11 +3978,253 @@
           <a:p>
             <a:r>
               <a:rPr lang="fr-FR" dirty="0" smtClean="0"/>
+              <a:t>Ce qui a déjà été fait</a:t>
+            </a:r>
+            <a:br>
+              <a:rPr lang="fr-FR" dirty="0" smtClean="0"/>
+            </a:br>
+            <a:r>
+              <a:rPr lang="fr-FR" dirty="0"/>
+              <a:t>	</a:t>
+            </a:r>
+            <a:r>
+              <a:rPr lang="fr-FR" sz="2800" dirty="0" smtClean="0">
+                <a:solidFill>
+                  <a:schemeClr val="bg2">
+                    <a:lumMod val="10000"/>
+                  </a:schemeClr>
+                </a:solidFill>
+              </a:rPr>
+              <a:t>Modification du jeu de dames</a:t>
+            </a:r>
+            <a:endParaRPr lang="fr-FR" dirty="0"/>
+          </a:p>
+        </p:txBody>
+      </p:sp>
+      <p:sp>
+        <p:nvSpPr>
+          <p:cNvPr id="3" name="Espace réservé du contenu 2"/>
+          <p:cNvSpPr>
+            <a:spLocks noGrp="1"/>
+          </p:cNvSpPr>
+          <p:nvPr>
+            <p:ph idx="1"/>
+          </p:nvPr>
+        </p:nvSpPr>
+        <p:spPr>
+          <a:xfrm>
+            <a:off x="838199" y="1825625"/>
+            <a:ext cx="10848975" cy="4351338"/>
+          </a:xfrm>
+        </p:spPr>
+        <p:txBody>
+          <a:bodyPr/>
+          <a:lstStyle/>
+          <a:p>
+            <a:pPr marL="0" indent="0">
+              <a:buClr>
+                <a:schemeClr val="accent2">
+                  <a:lumMod val="75000"/>
+                </a:schemeClr>
+              </a:buClr>
+              <a:buNone/>
+            </a:pPr>
+            <a:r>
+              <a:rPr lang="fr-FR" dirty="0" smtClean="0"/>
+              <a:t>Nous sommes partis du jeu de Dames, donné par M</a:t>
+            </a:r>
+            <a:r>
+              <a:rPr lang="fr-FR" dirty="0" smtClean="0"/>
+              <a:t>. Haddad </a:t>
+            </a:r>
+            <a:r>
+              <a:rPr lang="fr-FR" dirty="0" smtClean="0"/>
+              <a:t>et nous avons :</a:t>
+            </a:r>
+          </a:p>
+          <a:p>
+            <a:pPr lvl="1">
+              <a:buClr>
+                <a:schemeClr val="accent2">
+                  <a:lumMod val="75000"/>
+                </a:schemeClr>
+              </a:buClr>
+            </a:pPr>
+            <a:r>
+              <a:rPr lang="fr-FR" dirty="0" smtClean="0"/>
+              <a:t>Modifié son aspect graphique, affichage des pions,  des cases …</a:t>
+            </a:r>
+          </a:p>
+          <a:p>
+            <a:pPr lvl="1">
+              <a:buClr>
+                <a:schemeClr val="accent2">
+                  <a:lumMod val="75000"/>
+                </a:schemeClr>
+              </a:buClr>
+            </a:pPr>
+            <a:r>
+              <a:rPr lang="fr-FR" dirty="0" smtClean="0"/>
+              <a:t>Implémenté </a:t>
+            </a:r>
+            <a:r>
+              <a:rPr lang="fr-FR" dirty="0" smtClean="0"/>
+              <a:t>de nouvelles fonctionnalités (manger plusieurs pions à la suites, en arrière</a:t>
+            </a:r>
+            <a:r>
+              <a:rPr lang="fr-FR" dirty="0" smtClean="0"/>
+              <a:t>…)</a:t>
+            </a:r>
+          </a:p>
+          <a:p>
+            <a:pPr lvl="1">
+              <a:buClr>
+                <a:schemeClr val="accent2">
+                  <a:lumMod val="75000"/>
+                </a:schemeClr>
+              </a:buClr>
+            </a:pPr>
+            <a:r>
+              <a:rPr lang="fr-FR" dirty="0" smtClean="0"/>
+              <a:t>Créé une IA basique (manger un pion si possible, sinon déplacement aléatoire)</a:t>
+            </a:r>
+            <a:endParaRPr lang="fr-FR" dirty="0" smtClean="0"/>
+          </a:p>
+          <a:p>
+            <a:pPr marL="457200" lvl="1" indent="0">
+              <a:buNone/>
+            </a:pPr>
+            <a:endParaRPr lang="fr-FR" dirty="0" smtClean="0"/>
+          </a:p>
+          <a:p>
+            <a:pPr marL="0" indent="0">
+              <a:buNone/>
+            </a:pPr>
+            <a:r>
+              <a:rPr lang="fr-FR" dirty="0" smtClean="0"/>
+              <a:t>Ceci nous a permit de prendre en main les outils, et de pouvoir mieux imaginer la structure du futur Quarto.</a:t>
+            </a:r>
+            <a:endParaRPr lang="fr-FR" dirty="0"/>
+          </a:p>
+        </p:txBody>
+      </p:sp>
+      <p:sp>
+        <p:nvSpPr>
+          <p:cNvPr id="4" name="Espace réservé de la date 3"/>
+          <p:cNvSpPr>
+            <a:spLocks noGrp="1"/>
+          </p:cNvSpPr>
+          <p:nvPr>
+            <p:ph type="dt" sz="half" idx="10"/>
+          </p:nvPr>
+        </p:nvSpPr>
+        <p:spPr/>
+        <p:txBody>
+          <a:bodyPr/>
+          <a:lstStyle/>
+          <a:p>
+            <a:r>
+              <a:rPr lang="fr-FR" sz="2400" dirty="0" smtClean="0"/>
+              <a:t>24/02/2015</a:t>
+            </a:r>
+            <a:endParaRPr lang="fr-FR" sz="2400" dirty="0"/>
+          </a:p>
+        </p:txBody>
+      </p:sp>
+      <p:sp>
+        <p:nvSpPr>
+          <p:cNvPr id="5" name="Espace réservé du pied de page 4"/>
+          <p:cNvSpPr>
+            <a:spLocks noGrp="1"/>
+          </p:cNvSpPr>
+          <p:nvPr>
+            <p:ph type="ftr" sz="quarter" idx="11"/>
+          </p:nvPr>
+        </p:nvSpPr>
+        <p:spPr/>
+        <p:txBody>
+          <a:bodyPr/>
+          <a:lstStyle/>
+          <a:p>
+            <a:r>
+              <a:rPr lang="fr-FR" sz="2400" smtClean="0"/>
+              <a:t>Jeu de Quarto</a:t>
+            </a:r>
+            <a:endParaRPr lang="fr-FR" sz="2400"/>
+          </a:p>
+        </p:txBody>
+      </p:sp>
+      <p:sp>
+        <p:nvSpPr>
+          <p:cNvPr id="6" name="Espace réservé du numéro de diapositive 5"/>
+          <p:cNvSpPr>
+            <a:spLocks noGrp="1"/>
+          </p:cNvSpPr>
+          <p:nvPr>
+            <p:ph type="sldNum" sz="quarter" idx="12"/>
+          </p:nvPr>
+        </p:nvSpPr>
+        <p:spPr/>
+        <p:txBody>
+          <a:bodyPr/>
+          <a:lstStyle/>
+          <a:p>
+            <a:fld id="{C2A51A7B-750C-4F70-8C54-D8A3C546085B}" type="slidenum">
+              <a:rPr lang="fr-FR" sz="2400" smtClean="0"/>
+              <a:t>11</a:t>
+            </a:fld>
+            <a:endParaRPr lang="fr-FR" sz="2400"/>
+          </a:p>
+        </p:txBody>
+      </p:sp>
+    </p:spTree>
+    <p:extLst>
+      <p:ext uri="{BB962C8B-B14F-4D97-AF65-F5344CB8AC3E}">
+        <p14:creationId xmlns:p14="http://schemas.microsoft.com/office/powerpoint/2010/main" val="38206453"/>
+      </p:ext>
+    </p:extLst>
+  </p:cSld>
+  <p:clrMapOvr>
+    <a:masterClrMapping/>
+  </p:clrMapOvr>
+</p:sld>
+</file>
+
+<file path=ppt/slides/slide12.xml><?xml version="1.0" encoding="utf-8"?>
+<p:sld xmlns:a="http://schemas.openxmlformats.org/drawingml/2006/main" xmlns:r="http://schemas.openxmlformats.org/officeDocument/2006/relationships" xmlns:p="http://schemas.openxmlformats.org/presentationml/2006/main">
+  <p:cSld>
+    <p:spTree>
+      <p:nvGrpSpPr>
+        <p:cNvPr id="1" name=""/>
+        <p:cNvGrpSpPr/>
+        <p:nvPr/>
+      </p:nvGrpSpPr>
+      <p:grpSpPr>
+        <a:xfrm>
+          <a:off x="0" y="0"/>
+          <a:ext cx="0" cy="0"/>
+          <a:chOff x="0" y="0"/>
+          <a:chExt cx="0" cy="0"/>
+        </a:xfrm>
+      </p:grpSpPr>
+      <p:sp>
+        <p:nvSpPr>
+          <p:cNvPr id="2" name="Titre 1"/>
+          <p:cNvSpPr>
+            <a:spLocks noGrp="1"/>
+          </p:cNvSpPr>
+          <p:nvPr>
+            <p:ph type="title"/>
+          </p:nvPr>
+        </p:nvSpPr>
+        <p:spPr/>
+        <p:txBody>
+          <a:bodyPr/>
+          <a:lstStyle/>
+          <a:p>
+            <a:r>
+              <a:rPr lang="fr-FR" dirty="0" smtClean="0"/>
               <a:t>Ce qu’il reste à faire</a:t>
-            </a:r>
-            <a:r>
-              <a:rPr lang="fr-FR" dirty="0" smtClean="0"/>
-              <a:t/>
             </a:r>
             <a:br>
               <a:rPr lang="fr-FR" dirty="0" smtClean="0"/>
@@ -3892,20 +4261,39 @@
           <a:bodyPr/>
           <a:lstStyle/>
           <a:p>
+            <a:pPr>
+              <a:buClr>
+                <a:schemeClr val="accent2">
+                  <a:lumMod val="75000"/>
+                </a:schemeClr>
+              </a:buClr>
+            </a:pPr>
             <a:r>
               <a:rPr lang="fr-FR" dirty="0" smtClean="0"/>
               <a:t>Définition des classes et des fonctions</a:t>
             </a:r>
           </a:p>
           <a:p>
-            <a:pPr lvl="1"/>
+            <a:pPr lvl="1">
+              <a:buClr>
+                <a:schemeClr val="accent2">
+                  <a:lumMod val="75000"/>
+                </a:schemeClr>
+              </a:buClr>
+            </a:pPr>
             <a:r>
               <a:rPr lang="fr-FR" dirty="0" smtClean="0"/>
               <a:t>Indispensables pour que les fonctions développées par les différentes équipes soient compatibles</a:t>
             </a:r>
           </a:p>
           <a:p>
-            <a:pPr lvl="1"/>
+            <a:pPr lvl="1">
+              <a:buClr>
+                <a:schemeClr val="accent2">
+                  <a:lumMod val="75000"/>
+                </a:schemeClr>
+              </a:buClr>
+            </a:pPr>
             <a:r>
               <a:rPr lang="fr-FR" dirty="0"/>
               <a:t>(10% du projet) </a:t>
@@ -3913,13 +4301,26 @@
             <a:endParaRPr lang="fr-FR" dirty="0" smtClean="0"/>
           </a:p>
           <a:p>
+            <a:pPr>
+              <a:buClr>
+                <a:schemeClr val="accent2">
+                  <a:lumMod val="75000"/>
+                </a:schemeClr>
+              </a:buClr>
+            </a:pPr>
             <a:r>
               <a:rPr lang="fr-FR" dirty="0" smtClean="0"/>
               <a:t>Programmation du jeu :</a:t>
             </a:r>
           </a:p>
           <a:p>
-            <a:pPr lvl="1"/>
+            <a:pPr lvl="1">
+              <a:buClr>
+                <a:schemeClr val="accent2">
+                  <a:lumMod val="75000"/>
+                </a:schemeClr>
+              </a:buClr>
+            </a:pPr>
             <a:r>
               <a:rPr lang="fr-FR" dirty="0" smtClean="0"/>
               <a:t>Interface graphique </a:t>
@@ -3939,7 +4340,13 @@
             <a:endParaRPr lang="fr-FR" dirty="0" smtClean="0"/>
           </a:p>
           <a:p>
-            <a:pPr lvl="1"/>
+            <a:pPr lvl="1">
+              <a:buClr>
+                <a:schemeClr val="accent2">
+                  <a:lumMod val="75000"/>
+                </a:schemeClr>
+              </a:buClr>
+            </a:pPr>
             <a:r>
               <a:rPr lang="fr-FR" dirty="0" smtClean="0"/>
               <a:t>Moteur </a:t>
@@ -3959,7 +4366,13 @@
             <a:endParaRPr lang="fr-FR" dirty="0" smtClean="0"/>
           </a:p>
           <a:p>
-            <a:pPr lvl="1"/>
+            <a:pPr lvl="1">
+              <a:buClr>
+                <a:schemeClr val="accent2">
+                  <a:lumMod val="75000"/>
+                </a:schemeClr>
+              </a:buClr>
+            </a:pPr>
             <a:r>
               <a:rPr lang="fr-FR" dirty="0" smtClean="0"/>
               <a:t>Intelligence artificielle(15% </a:t>
@@ -3971,7 +4384,43 @@
             <a:endParaRPr lang="fr-FR" dirty="0" smtClean="0"/>
           </a:p>
           <a:p>
-            <a:pPr lvl="1"/>
+            <a:pPr lvl="1">
+              <a:buClr>
+                <a:schemeClr val="accent2">
+                  <a:lumMod val="75000"/>
+                </a:schemeClr>
+              </a:buClr>
+            </a:pPr>
+            <a:endParaRPr lang="fr-FR" dirty="0"/>
+          </a:p>
+          <a:p>
+            <a:pPr lvl="1">
+              <a:buClr>
+                <a:schemeClr val="accent2">
+                  <a:lumMod val="75000"/>
+                </a:schemeClr>
+              </a:buClr>
+            </a:pPr>
+            <a:endParaRPr lang="fr-FR" dirty="0" smtClean="0"/>
+          </a:p>
+          <a:p>
+            <a:pPr lvl="1">
+              <a:buClr>
+                <a:schemeClr val="accent2">
+                  <a:lumMod val="75000"/>
+                </a:schemeClr>
+              </a:buClr>
+            </a:pPr>
+            <a:endParaRPr lang="fr-FR" dirty="0" smtClean="0"/>
+          </a:p>
+          <a:p>
+            <a:pPr lvl="1">
+              <a:buClr>
+                <a:schemeClr val="accent2">
+                  <a:lumMod val="75000"/>
+                </a:schemeClr>
+              </a:buClr>
+            </a:pPr>
             <a:endParaRPr lang="fr-FR" dirty="0"/>
           </a:p>
           <a:p>
@@ -4011,10 +4460,10 @@
           <a:lstStyle/>
           <a:p>
             <a:r>
-              <a:rPr lang="fr-FR" smtClean="0"/>
-              <a:t>07/01/2015</a:t>
-            </a:r>
-            <a:endParaRPr lang="fr-FR"/>
+              <a:rPr lang="fr-FR" sz="2400" dirty="0" smtClean="0"/>
+              <a:t>24/02/2015</a:t>
+            </a:r>
+            <a:endParaRPr lang="fr-FR" sz="2400" dirty="0"/>
           </a:p>
         </p:txBody>
       </p:sp>
@@ -4034,10 +4483,10 @@
           <a:lstStyle/>
           <a:p>
             <a:r>
-              <a:rPr lang="fr-FR" smtClean="0"/>
+              <a:rPr lang="fr-FR" sz="2400" smtClean="0"/>
               <a:t>Jeu de Quarto</a:t>
             </a:r>
-            <a:endParaRPr lang="fr-FR"/>
+            <a:endParaRPr lang="fr-FR" sz="2400"/>
           </a:p>
         </p:txBody>
       </p:sp>
@@ -4054,15 +4503,15 @@
         <p:spPr/>
         <p:txBody>
           <a:bodyPr>
-            <a:normAutofit/>
+            <a:noAutofit/>
           </a:bodyPr>
           <a:lstStyle/>
           <a:p>
             <a:fld id="{C2A51A7B-750C-4F70-8C54-D8A3C546085B}" type="slidenum">
-              <a:rPr lang="fr-FR" smtClean="0"/>
-              <a:t>11</a:t>
+              <a:rPr lang="fr-FR" sz="2400" smtClean="0"/>
+              <a:t>12</a:t>
             </a:fld>
-            <a:endParaRPr lang="fr-FR"/>
+            <a:endParaRPr lang="fr-FR" sz="2400"/>
           </a:p>
         </p:txBody>
       </p:sp>
@@ -4086,181 +4535,6 @@
 </p:sld>
 </file>
 
-<file path=ppt/slides/slide12.xml><?xml version="1.0" encoding="utf-8"?>
-<p:sld xmlns:a="http://schemas.openxmlformats.org/drawingml/2006/main" xmlns:r="http://schemas.openxmlformats.org/officeDocument/2006/relationships" xmlns:p="http://schemas.openxmlformats.org/presentationml/2006/main">
-  <p:cSld>
-    <p:spTree>
-      <p:nvGrpSpPr>
-        <p:cNvPr id="1" name=""/>
-        <p:cNvGrpSpPr/>
-        <p:nvPr/>
-      </p:nvGrpSpPr>
-      <p:grpSpPr>
-        <a:xfrm>
-          <a:off x="0" y="0"/>
-          <a:ext cx="0" cy="0"/>
-          <a:chOff x="0" y="0"/>
-          <a:chExt cx="0" cy="0"/>
-        </a:xfrm>
-      </p:grpSpPr>
-      <p:sp>
-        <p:nvSpPr>
-          <p:cNvPr id="2" name="Titre 1"/>
-          <p:cNvSpPr>
-            <a:spLocks noGrp="1"/>
-          </p:cNvSpPr>
-          <p:nvPr>
-            <p:ph type="title"/>
-          </p:nvPr>
-        </p:nvSpPr>
-        <p:spPr/>
-        <p:txBody>
-          <a:bodyPr/>
-          <a:lstStyle/>
-          <a:p>
-            <a:r>
-              <a:rPr lang="fr-FR" dirty="0" smtClean="0"/>
-              <a:t>Moyens &amp; Ressources</a:t>
-            </a:r>
-            <a:endParaRPr lang="fr-FR" dirty="0"/>
-          </a:p>
-        </p:txBody>
-      </p:sp>
-      <p:sp>
-        <p:nvSpPr>
-          <p:cNvPr id="3" name="Espace réservé du contenu 2"/>
-          <p:cNvSpPr>
-            <a:spLocks noGrp="1"/>
-          </p:cNvSpPr>
-          <p:nvPr>
-            <p:ph idx="1"/>
-          </p:nvPr>
-        </p:nvSpPr>
-        <p:spPr/>
-        <p:txBody>
-          <a:bodyPr/>
-          <a:lstStyle/>
-          <a:p>
-            <a:r>
-              <a:rPr lang="fr-FR" dirty="0" smtClean="0"/>
-              <a:t>Ressources humaines :</a:t>
-            </a:r>
-          </a:p>
-          <a:p>
-            <a:pPr lvl="1"/>
-            <a:r>
-              <a:rPr lang="fr-FR" dirty="0" smtClean="0"/>
-              <a:t>7 personnes réparties en 3 groupes (pour le cœur du projet)</a:t>
-            </a:r>
-          </a:p>
-          <a:p>
-            <a:pPr lvl="1"/>
-            <a:endParaRPr lang="fr-FR" dirty="0"/>
-          </a:p>
-          <a:p>
-            <a:r>
-              <a:rPr lang="fr-FR" dirty="0" smtClean="0"/>
-              <a:t>Ressources matérielles :</a:t>
-            </a:r>
-          </a:p>
-          <a:p>
-            <a:pPr lvl="1"/>
-            <a:r>
-              <a:rPr lang="fr-FR" dirty="0" smtClean="0"/>
-              <a:t>Ordinateur personnel des membres du groupe</a:t>
-            </a:r>
-          </a:p>
-          <a:p>
-            <a:pPr lvl="1"/>
-            <a:r>
-              <a:rPr lang="fr-FR" dirty="0" smtClean="0"/>
-              <a:t>PC et salles mises à disposition par l’université</a:t>
-            </a:r>
-          </a:p>
-        </p:txBody>
-      </p:sp>
-      <p:sp>
-        <p:nvSpPr>
-          <p:cNvPr id="4" name="Espace réservé de la date 3"/>
-          <p:cNvSpPr>
-            <a:spLocks noGrp="1"/>
-          </p:cNvSpPr>
-          <p:nvPr>
-            <p:ph type="dt" sz="half" idx="10"/>
-          </p:nvPr>
-        </p:nvSpPr>
-        <p:spPr/>
-        <p:txBody>
-          <a:bodyPr/>
-          <a:lstStyle/>
-          <a:p>
-            <a:r>
-              <a:rPr lang="fr-FR" smtClean="0"/>
-              <a:t>07/01/2015</a:t>
-            </a:r>
-            <a:endParaRPr lang="fr-FR"/>
-          </a:p>
-        </p:txBody>
-      </p:sp>
-      <p:sp>
-        <p:nvSpPr>
-          <p:cNvPr id="5" name="Espace réservé du pied de page 4"/>
-          <p:cNvSpPr>
-            <a:spLocks noGrp="1"/>
-          </p:cNvSpPr>
-          <p:nvPr>
-            <p:ph type="ftr" sz="quarter" idx="11"/>
-          </p:nvPr>
-        </p:nvSpPr>
-        <p:spPr/>
-        <p:txBody>
-          <a:bodyPr/>
-          <a:lstStyle/>
-          <a:p>
-            <a:r>
-              <a:rPr lang="fr-FR" smtClean="0"/>
-              <a:t>Jeu de Quarto</a:t>
-            </a:r>
-            <a:endParaRPr lang="fr-FR"/>
-          </a:p>
-        </p:txBody>
-      </p:sp>
-      <p:sp>
-        <p:nvSpPr>
-          <p:cNvPr id="6" name="Espace réservé du numéro de diapositive 5"/>
-          <p:cNvSpPr>
-            <a:spLocks noGrp="1"/>
-          </p:cNvSpPr>
-          <p:nvPr>
-            <p:ph type="sldNum" sz="quarter" idx="12"/>
-          </p:nvPr>
-        </p:nvSpPr>
-        <p:spPr/>
-        <p:txBody>
-          <a:bodyPr/>
-          <a:lstStyle/>
-          <a:p>
-            <a:fld id="{C2A51A7B-750C-4F70-8C54-D8A3C546085B}" type="slidenum">
-              <a:rPr lang="fr-FR" smtClean="0"/>
-              <a:t>12</a:t>
-            </a:fld>
-            <a:endParaRPr lang="fr-FR"/>
-          </a:p>
-        </p:txBody>
-      </p:sp>
-    </p:spTree>
-    <p:extLst>
-      <p:ext uri="{BB962C8B-B14F-4D97-AF65-F5344CB8AC3E}">
-        <p14:creationId xmlns:p14="http://schemas.microsoft.com/office/powerpoint/2010/main" val="3575382860"/>
-      </p:ext>
-    </p:extLst>
-  </p:cSld>
-  <p:clrMapOvr>
-    <a:masterClrMapping/>
-  </p:clrMapOvr>
-</p:sld>
-</file>
-
 <file path=ppt/slides/slide13.xml><?xml version="1.0" encoding="utf-8"?>
 <p:sld xmlns:a="http://schemas.openxmlformats.org/drawingml/2006/main" xmlns:r="http://schemas.openxmlformats.org/officeDocument/2006/relationships" xmlns:p="http://schemas.openxmlformats.org/presentationml/2006/main">
   <p:cSld>
@@ -4295,7 +4569,7 @@
           <a:p>
             <a:r>
               <a:rPr lang="fr-FR" dirty="0" smtClean="0"/>
-              <a:t>Communication</a:t>
+              <a:t>Moyens &amp; Ressources</a:t>
             </a:r>
             <a:endParaRPr lang="fr-FR" dirty="0"/>
           </a:p>
@@ -4318,41 +4592,15 @@
           <a:p>
             <a:r>
               <a:rPr lang="fr-FR" dirty="0" smtClean="0"/>
-              <a:t>Interne :</a:t>
+              <a:t>Ressources humaines :</a:t>
             </a:r>
           </a:p>
           <a:p>
             <a:pPr lvl="1"/>
             <a:r>
               <a:rPr lang="fr-FR" dirty="0" smtClean="0"/>
-              <a:t>Entre membres : groupe de discussion sur Facebook</a:t>
-            </a:r>
-          </a:p>
-          <a:p>
-            <a:pPr lvl="1"/>
-            <a:r>
-              <a:rPr lang="fr-FR" dirty="0" smtClean="0"/>
-              <a:t>Avec le responsable du projet (Mr HADDAD) : par mail</a:t>
-            </a:r>
-          </a:p>
-          <a:p>
-            <a:pPr lvl="1"/>
-            <a:r>
-              <a:rPr lang="fr-FR" dirty="0" smtClean="0"/>
-              <a:t>Partage des fichiers sources, gestions de versions sur </a:t>
-            </a:r>
-            <a:r>
-              <a:rPr lang="fr-FR" dirty="0" err="1" smtClean="0"/>
-              <a:t>GitHub</a:t>
-            </a:r>
-            <a:r>
-              <a:rPr lang="fr-FR" dirty="0" smtClean="0"/>
-              <a:t>. </a:t>
-            </a:r>
-          </a:p>
-          <a:p>
-            <a:pPr lvl="1"/>
-            <a:endParaRPr lang="fr-FR" dirty="0" smtClean="0"/>
+              <a:t>7 personnes réparties en 3 groupes (pour le cœur du projet)</a:t>
+            </a:r>
           </a:p>
           <a:p>
             <a:pPr lvl="1"/>
@@ -4361,21 +4609,22 @@
           <a:p>
             <a:r>
               <a:rPr lang="fr-FR" dirty="0" smtClean="0"/>
-              <a:t>Externe :</a:t>
+              <a:t>Ressources matérielles :</a:t>
             </a:r>
           </a:p>
           <a:p>
             <a:pPr lvl="1"/>
             <a:r>
               <a:rPr lang="fr-FR" dirty="0" smtClean="0"/>
-              <a:t>Avec le client: par mail.</a:t>
-            </a:r>
-          </a:p>
-          <a:p>
-            <a:pPr marL="457200" lvl="1" indent="0">
-              <a:buNone/>
-            </a:pPr>
-            <a:endParaRPr lang="fr-FR" dirty="0" smtClean="0"/>
+              <a:t>Ordinateur personnel des membres du groupe</a:t>
+            </a:r>
+          </a:p>
+          <a:p>
+            <a:pPr lvl="1"/>
+            <a:r>
+              <a:rPr lang="fr-FR" dirty="0" smtClean="0"/>
+              <a:t>PC et salles mises à disposition par l’université</a:t>
+            </a:r>
           </a:p>
         </p:txBody>
       </p:sp>
@@ -4395,10 +4644,10 @@
           <a:lstStyle/>
           <a:p>
             <a:r>
-              <a:rPr lang="fr-FR" smtClean="0"/>
-              <a:t>07/01/2015</a:t>
-            </a:r>
-            <a:endParaRPr lang="fr-FR"/>
+              <a:rPr lang="fr-FR" sz="2400" dirty="0" smtClean="0"/>
+              <a:t>24/02/2015</a:t>
+            </a:r>
+            <a:endParaRPr lang="fr-FR" sz="2400" dirty="0"/>
           </a:p>
         </p:txBody>
       </p:sp>
@@ -4418,10 +4667,10 @@
           <a:lstStyle/>
           <a:p>
             <a:r>
-              <a:rPr lang="fr-FR" smtClean="0"/>
+              <a:rPr lang="fr-FR" sz="2400" smtClean="0"/>
               <a:t>Jeu de Quarto</a:t>
             </a:r>
-            <a:endParaRPr lang="fr-FR"/>
+            <a:endParaRPr lang="fr-FR" sz="2400"/>
           </a:p>
         </p:txBody>
       </p:sp>
@@ -4441,17 +4690,17 @@
           <a:lstStyle/>
           <a:p>
             <a:fld id="{C2A51A7B-750C-4F70-8C54-D8A3C546085B}" type="slidenum">
-              <a:rPr lang="fr-FR" smtClean="0"/>
+              <a:rPr lang="fr-FR" sz="2400" smtClean="0"/>
               <a:t>13</a:t>
             </a:fld>
-            <a:endParaRPr lang="fr-FR"/>
+            <a:endParaRPr lang="fr-FR" sz="2400"/>
           </a:p>
         </p:txBody>
       </p:sp>
     </p:spTree>
     <p:extLst>
       <p:ext uri="{BB962C8B-B14F-4D97-AF65-F5344CB8AC3E}">
-        <p14:creationId xmlns:p14="http://schemas.microsoft.com/office/powerpoint/2010/main" val="2182873095"/>
+        <p14:creationId xmlns:p14="http://schemas.microsoft.com/office/powerpoint/2010/main" val="3575382860"/>
       </p:ext>
     </p:extLst>
   </p:cSld>
@@ -4495,6 +4744,206 @@
           <a:p>
             <a:r>
               <a:rPr lang="fr-FR" dirty="0" smtClean="0"/>
+              <a:t>Communication</a:t>
+            </a:r>
+            <a:endParaRPr lang="fr-FR" dirty="0"/>
+          </a:p>
+        </p:txBody>
+      </p:sp>
+      <p:sp>
+        <p:nvSpPr>
+          <p:cNvPr id="3" name="Espace réservé du contenu 2"/>
+          <p:cNvSpPr>
+            <a:spLocks noGrp="1"/>
+          </p:cNvSpPr>
+          <p:nvPr>
+            <p:ph idx="1"/>
+          </p:nvPr>
+        </p:nvSpPr>
+        <p:spPr/>
+        <p:txBody>
+          <a:bodyPr/>
+          <a:lstStyle/>
+          <a:p>
+            <a:r>
+              <a:rPr lang="fr-FR" dirty="0" smtClean="0"/>
+              <a:t>Interne :</a:t>
+            </a:r>
+          </a:p>
+          <a:p>
+            <a:pPr lvl="1"/>
+            <a:r>
+              <a:rPr lang="fr-FR" dirty="0" smtClean="0"/>
+              <a:t>Entre membres : groupe de discussion sur Facebook</a:t>
+            </a:r>
+          </a:p>
+          <a:p>
+            <a:pPr lvl="1"/>
+            <a:r>
+              <a:rPr lang="fr-FR" dirty="0" smtClean="0"/>
+              <a:t>Avec le responsable du projet (Mr HADDAD) : par mail</a:t>
+            </a:r>
+          </a:p>
+          <a:p>
+            <a:pPr lvl="1"/>
+            <a:r>
+              <a:rPr lang="fr-FR" dirty="0" smtClean="0"/>
+              <a:t>Partage des fichiers sources, gestions de versions sur </a:t>
+            </a:r>
+            <a:r>
+              <a:rPr lang="fr-FR" dirty="0" err="1" smtClean="0"/>
+              <a:t>GitHub</a:t>
+            </a:r>
+            <a:r>
+              <a:rPr lang="fr-FR" dirty="0" smtClean="0"/>
+              <a:t>. </a:t>
+            </a:r>
+          </a:p>
+          <a:p>
+            <a:pPr lvl="1"/>
+            <a:endParaRPr lang="fr-FR" dirty="0" smtClean="0"/>
+          </a:p>
+          <a:p>
+            <a:pPr lvl="1"/>
+            <a:endParaRPr lang="fr-FR" dirty="0"/>
+          </a:p>
+          <a:p>
+            <a:r>
+              <a:rPr lang="fr-FR" dirty="0" smtClean="0"/>
+              <a:t>Externe :</a:t>
+            </a:r>
+          </a:p>
+          <a:p>
+            <a:pPr lvl="1"/>
+            <a:r>
+              <a:rPr lang="fr-FR" dirty="0" smtClean="0"/>
+              <a:t>Avec le client: par mail.</a:t>
+            </a:r>
+          </a:p>
+          <a:p>
+            <a:pPr marL="457200" lvl="1" indent="0">
+              <a:buNone/>
+            </a:pPr>
+            <a:endParaRPr lang="fr-FR" dirty="0" smtClean="0"/>
+          </a:p>
+        </p:txBody>
+      </p:sp>
+      <p:sp>
+        <p:nvSpPr>
+          <p:cNvPr id="4" name="Espace réservé de la date 3"/>
+          <p:cNvSpPr>
+            <a:spLocks noGrp="1"/>
+          </p:cNvSpPr>
+          <p:nvPr>
+            <p:ph type="dt" sz="half" idx="10"/>
+          </p:nvPr>
+        </p:nvSpPr>
+        <p:spPr/>
+        <p:txBody>
+          <a:bodyPr/>
+          <a:lstStyle/>
+          <a:p>
+            <a:r>
+              <a:rPr lang="fr-FR" sz="2400" dirty="0" smtClean="0"/>
+              <a:t>24/02/2015</a:t>
+            </a:r>
+            <a:endParaRPr lang="fr-FR" sz="2400" dirty="0"/>
+          </a:p>
+        </p:txBody>
+      </p:sp>
+      <p:sp>
+        <p:nvSpPr>
+          <p:cNvPr id="5" name="Espace réservé du pied de page 4"/>
+          <p:cNvSpPr>
+            <a:spLocks noGrp="1"/>
+          </p:cNvSpPr>
+          <p:nvPr>
+            <p:ph type="ftr" sz="quarter" idx="11"/>
+          </p:nvPr>
+        </p:nvSpPr>
+        <p:spPr/>
+        <p:txBody>
+          <a:bodyPr/>
+          <a:lstStyle/>
+          <a:p>
+            <a:r>
+              <a:rPr lang="fr-FR" sz="2400" smtClean="0"/>
+              <a:t>Jeu de Quarto</a:t>
+            </a:r>
+            <a:endParaRPr lang="fr-FR" sz="2400"/>
+          </a:p>
+        </p:txBody>
+      </p:sp>
+      <p:sp>
+        <p:nvSpPr>
+          <p:cNvPr id="6" name="Espace réservé du numéro de diapositive 5"/>
+          <p:cNvSpPr>
+            <a:spLocks noGrp="1"/>
+          </p:cNvSpPr>
+          <p:nvPr>
+            <p:ph type="sldNum" sz="quarter" idx="12"/>
+          </p:nvPr>
+        </p:nvSpPr>
+        <p:spPr/>
+        <p:txBody>
+          <a:bodyPr/>
+          <a:lstStyle/>
+          <a:p>
+            <a:fld id="{C2A51A7B-750C-4F70-8C54-D8A3C546085B}" type="slidenum">
+              <a:rPr lang="fr-FR" sz="2400" smtClean="0"/>
+              <a:t>14</a:t>
+            </a:fld>
+            <a:endParaRPr lang="fr-FR" sz="2400"/>
+          </a:p>
+        </p:txBody>
+      </p:sp>
+    </p:spTree>
+    <p:extLst>
+      <p:ext uri="{BB962C8B-B14F-4D97-AF65-F5344CB8AC3E}">
+        <p14:creationId xmlns:p14="http://schemas.microsoft.com/office/powerpoint/2010/main" val="2182873095"/>
+      </p:ext>
+    </p:extLst>
+  </p:cSld>
+  <p:clrMapOvr>
+    <a:masterClrMapping/>
+  </p:clrMapOvr>
+</p:sld>
+</file>
+
+<file path=ppt/slides/slide15.xml><?xml version="1.0" encoding="utf-8"?>
+<p:sld xmlns:a="http://schemas.openxmlformats.org/drawingml/2006/main" xmlns:r="http://schemas.openxmlformats.org/officeDocument/2006/relationships" xmlns:p="http://schemas.openxmlformats.org/presentationml/2006/main">
+  <p:cSld>
+    <p:spTree>
+      <p:nvGrpSpPr>
+        <p:cNvPr id="1" name=""/>
+        <p:cNvGrpSpPr/>
+        <p:nvPr/>
+      </p:nvGrpSpPr>
+      <p:grpSpPr>
+        <a:xfrm>
+          <a:off x="0" y="0"/>
+          <a:ext cx="0" cy="0"/>
+          <a:chOff x="0" y="0"/>
+          <a:chExt cx="0" cy="0"/>
+        </a:xfrm>
+      </p:grpSpPr>
+      <p:sp>
+        <p:nvSpPr>
+          <p:cNvPr id="2" name="Titre 1"/>
+          <p:cNvSpPr>
+            <a:spLocks noGrp="1"/>
+          </p:cNvSpPr>
+          <p:nvPr>
+            <p:ph type="title"/>
+          </p:nvPr>
+        </p:nvSpPr>
+        <p:spPr/>
+        <p:txBody>
+          <a:bodyPr/>
+          <a:lstStyle/>
+          <a:p>
+            <a:r>
+              <a:rPr lang="fr-FR" dirty="0" smtClean="0"/>
               <a:t>Remerciements</a:t>
             </a:r>
             <a:endParaRPr lang="fr-FR" dirty="0"/>
@@ -4521,12 +4970,8 @@
               <a:t>Le jeu de Quarto </a:t>
             </a:r>
             <a:r>
-              <a:rPr lang="fr-FR" dirty="0" err="1" smtClean="0"/>
-              <a:t>herbergé</a:t>
-            </a:r>
-            <a:r>
-              <a:rPr lang="fr-FR" dirty="0"/>
-              <a:t> </a:t>
+              <a:rPr lang="fr-FR" dirty="0" smtClean="0"/>
+              <a:t>hébergé </a:t>
             </a:r>
             <a:r>
               <a:rPr lang="fr-FR" dirty="0" smtClean="0"/>
@@ -4562,10 +5007,10 @@
           <a:lstStyle/>
           <a:p>
             <a:r>
-              <a:rPr lang="fr-FR" smtClean="0"/>
-              <a:t>07/01/2015</a:t>
-            </a:r>
-            <a:endParaRPr lang="fr-FR"/>
+              <a:rPr lang="fr-FR" sz="2400" dirty="0" smtClean="0"/>
+              <a:t>24/02/2015</a:t>
+            </a:r>
+            <a:endParaRPr lang="fr-FR" sz="2400" dirty="0"/>
           </a:p>
         </p:txBody>
       </p:sp>
@@ -4585,10 +5030,10 @@
           <a:lstStyle/>
           <a:p>
             <a:r>
-              <a:rPr lang="fr-FR" smtClean="0"/>
+              <a:rPr lang="fr-FR" sz="2400" smtClean="0"/>
               <a:t>Jeu de Quarto</a:t>
             </a:r>
-            <a:endParaRPr lang="fr-FR"/>
+            <a:endParaRPr lang="fr-FR" sz="2400"/>
           </a:p>
         </p:txBody>
       </p:sp>
@@ -4605,15 +5050,15 @@
         <p:spPr/>
         <p:txBody>
           <a:bodyPr>
-            <a:normAutofit/>
+            <a:noAutofit/>
           </a:bodyPr>
           <a:lstStyle/>
           <a:p>
             <a:fld id="{C2A51A7B-750C-4F70-8C54-D8A3C546085B}" type="slidenum">
-              <a:rPr lang="fr-FR" smtClean="0"/>
-              <a:t>14</a:t>
+              <a:rPr lang="fr-FR" sz="2400" smtClean="0"/>
+              <a:t>15</a:t>
             </a:fld>
-            <a:endParaRPr lang="fr-FR"/>
+            <a:endParaRPr lang="fr-FR" sz="2400"/>
           </a:p>
         </p:txBody>
       </p:sp>
@@ -4666,16 +5111,16 @@
         </p:nvSpPr>
         <p:spPr>
           <a:xfrm>
-            <a:off x="431927" y="3080450"/>
-            <a:ext cx="9404723" cy="1400530"/>
-          </a:xfrm>
-        </p:spPr>
-        <p:txBody>
-          <a:bodyPr/>
-          <a:lstStyle/>
-          <a:p>
-            <a:r>
-              <a:rPr lang="fr-FR" dirty="0" smtClean="0"/>
+            <a:off x="431927" y="2794874"/>
+            <a:ext cx="2225548" cy="1245383"/>
+          </a:xfrm>
+        </p:spPr>
+        <p:txBody>
+          <a:bodyPr/>
+          <a:lstStyle/>
+          <a:p>
+            <a:r>
+              <a:rPr lang="fr-FR" sz="4200" dirty="0" smtClean="0"/>
               <a:t>Equipe</a:t>
             </a:r>
             <a:r>
@@ -4706,7 +5151,7 @@
         </p:nvSpPr>
         <p:spPr>
           <a:xfrm>
-            <a:off x="431927" y="4142381"/>
+            <a:off x="431927" y="3765328"/>
             <a:ext cx="11213757" cy="2620883"/>
           </a:xfrm>
         </p:spPr>
@@ -4716,42 +5161,91 @@
           </a:bodyPr>
           <a:lstStyle/>
           <a:p>
+            <a:pPr>
+              <a:buClr>
+                <a:schemeClr val="accent2">
+                  <a:lumMod val="75000"/>
+                </a:schemeClr>
+              </a:buClr>
+            </a:pPr>
             <a:r>
               <a:rPr lang="fr-FR" dirty="0" smtClean="0"/>
               <a:t>BAUD Adrien (Chef de projet)</a:t>
             </a:r>
           </a:p>
           <a:p>
+            <a:pPr>
+              <a:buClr>
+                <a:schemeClr val="accent2">
+                  <a:lumMod val="75000"/>
+                </a:schemeClr>
+              </a:buClr>
+            </a:pPr>
             <a:r>
               <a:rPr lang="fr-FR" dirty="0" smtClean="0"/>
               <a:t>CHAMPAGNON Adrien</a:t>
             </a:r>
           </a:p>
           <a:p>
+            <a:pPr>
+              <a:buClr>
+                <a:schemeClr val="accent2">
+                  <a:lumMod val="75000"/>
+                </a:schemeClr>
+              </a:buClr>
+            </a:pPr>
             <a:r>
               <a:rPr lang="fr-FR" dirty="0" smtClean="0"/>
               <a:t>DEBURE Margaux</a:t>
             </a:r>
           </a:p>
           <a:p>
+            <a:pPr>
+              <a:buClr>
+                <a:schemeClr val="accent2">
+                  <a:lumMod val="75000"/>
+                </a:schemeClr>
+              </a:buClr>
+            </a:pPr>
             <a:r>
               <a:rPr lang="fr-FR" dirty="0" smtClean="0"/>
               <a:t>GREYL Robin</a:t>
             </a:r>
           </a:p>
           <a:p>
+            <a:pPr>
+              <a:buClr>
+                <a:schemeClr val="accent2">
+                  <a:lumMod val="75000"/>
+                </a:schemeClr>
+              </a:buClr>
+            </a:pPr>
             <a:r>
               <a:rPr lang="fr-FR" dirty="0" smtClean="0"/>
               <a:t>RAYBAUD Vincent</a:t>
             </a:r>
           </a:p>
           <a:p>
+            <a:pPr>
+              <a:buClr>
+                <a:schemeClr val="accent2">
+                  <a:lumMod val="75000"/>
+                </a:schemeClr>
+              </a:buClr>
+            </a:pPr>
             <a:r>
               <a:rPr lang="fr-FR" dirty="0" smtClean="0"/>
               <a:t>ROUSSEL Diego</a:t>
             </a:r>
           </a:p>
           <a:p>
+            <a:pPr>
+              <a:buClr>
+                <a:schemeClr val="accent2">
+                  <a:lumMod val="75000"/>
+                </a:schemeClr>
+              </a:buClr>
+            </a:pPr>
             <a:r>
               <a:rPr lang="fr-FR" dirty="0" smtClean="0"/>
               <a:t>VARREL Lilian</a:t>
@@ -4778,10 +5272,10 @@
           <a:lstStyle/>
           <a:p>
             <a:r>
-              <a:rPr lang="fr-FR" smtClean="0"/>
-              <a:t>07/01/2015</a:t>
-            </a:r>
-            <a:endParaRPr lang="fr-FR"/>
+              <a:rPr lang="fr-FR" sz="2400" dirty="0" smtClean="0"/>
+              <a:t>24/02/2015</a:t>
+            </a:r>
+            <a:endParaRPr lang="fr-FR" sz="2400" dirty="0"/>
           </a:p>
         </p:txBody>
       </p:sp>
@@ -4801,10 +5295,10 @@
           <a:lstStyle/>
           <a:p>
             <a:r>
-              <a:rPr lang="fr-FR" smtClean="0"/>
+              <a:rPr lang="fr-FR" sz="2400" smtClean="0"/>
               <a:t>Jeu de Quarto</a:t>
             </a:r>
-            <a:endParaRPr lang="fr-FR"/>
+            <a:endParaRPr lang="fr-FR" sz="2400"/>
           </a:p>
         </p:txBody>
       </p:sp>
@@ -4821,15 +5315,15 @@
         <p:spPr/>
         <p:txBody>
           <a:bodyPr>
-            <a:normAutofit/>
+            <a:noAutofit/>
           </a:bodyPr>
           <a:lstStyle/>
           <a:p>
             <a:fld id="{C2A51A7B-750C-4F70-8C54-D8A3C546085B}" type="slidenum">
-              <a:rPr lang="fr-FR" smtClean="0"/>
+              <a:rPr lang="fr-FR" sz="2400" smtClean="0"/>
               <a:t>2</a:t>
             </a:fld>
-            <a:endParaRPr lang="fr-FR"/>
+            <a:endParaRPr lang="fr-FR" sz="2400"/>
           </a:p>
         </p:txBody>
       </p:sp>
@@ -4844,7 +5338,7 @@
         <p:spPr>
           <a:xfrm>
             <a:off x="431927" y="295729"/>
-            <a:ext cx="9404723" cy="1400530"/>
+            <a:ext cx="3044441" cy="725899"/>
           </a:xfrm>
           <a:prstGeom prst="rect">
             <a:avLst/>
@@ -4959,6 +5453,8 @@
           <a:prstGeom prst="rect">
             <a:avLst/>
           </a:prstGeom>
+          <a:noFill/>
+          <a:effectLst/>
         </p:spPr>
         <p:txBody>
           <a:bodyPr vert="horz" lIns="91440" tIns="45720" rIns="91440" bIns="45720" rtlCol="0">
@@ -5192,6 +5688,13 @@
             </a:lvl9pPr>
           </a:lstStyle>
           <a:p>
+            <a:pPr>
+              <a:buClr>
+                <a:schemeClr val="accent2">
+                  <a:lumMod val="75000"/>
+                </a:schemeClr>
+              </a:buClr>
+            </a:pPr>
             <a:r>
               <a:rPr lang="fr-FR" sz="2200" dirty="0" smtClean="0">
                 <a:latin typeface="+mn-lt"/>
@@ -5200,6 +5703,13 @@
             </a:r>
           </a:p>
           <a:p>
+            <a:pPr>
+              <a:buClr>
+                <a:schemeClr val="accent2">
+                  <a:lumMod val="75000"/>
+                </a:schemeClr>
+              </a:buClr>
+            </a:pPr>
             <a:r>
               <a:rPr lang="fr-FR" sz="2200" dirty="0" smtClean="0">
                 <a:latin typeface="+mn-lt"/>
@@ -5208,11 +5718,24 @@
             </a:r>
           </a:p>
           <a:p>
+            <a:pPr>
+              <a:buClr>
+                <a:schemeClr val="accent2">
+                  <a:lumMod val="75000"/>
+                </a:schemeClr>
+              </a:buClr>
+            </a:pPr>
             <a:r>
               <a:rPr lang="fr-FR" sz="2200" dirty="0" smtClean="0">
                 <a:latin typeface="+mn-lt"/>
               </a:rPr>
-              <a:t>Création d’une Intelligence Artificielle contre laquelle  un utilisateur pourra jouer. (Cette dernière sera pourvu de plusieurs niveaux)</a:t>
+              <a:t>Création </a:t>
+            </a:r>
+            <a:r>
+              <a:rPr lang="fr-FR" sz="2200" dirty="0" smtClean="0">
+                <a:latin typeface="+mn-lt"/>
+              </a:rPr>
+              <a:t>d’une Intelligence Artificielle contre laquelle  un utilisateur pourra jouer. (Cette dernière sera pourvu de plusieurs niveaux)</a:t>
             </a:r>
             <a:endParaRPr lang="fr-FR" sz="2200" dirty="0">
               <a:latin typeface="+mn-lt"/>
@@ -5269,8 +5792,8 @@
         </p:nvSpPr>
         <p:spPr>
           <a:xfrm>
-            <a:off x="200398" y="1562855"/>
-            <a:ext cx="10515600" cy="1325563"/>
+            <a:off x="200397" y="1314451"/>
+            <a:ext cx="10515600" cy="1458722"/>
           </a:xfrm>
         </p:spPr>
         <p:txBody>
@@ -5280,80 +5803,88 @@
           <a:lstStyle/>
           <a:p>
             <a:r>
-              <a:rPr lang="fr-FR" b="1" dirty="0" smtClean="0"/>
+              <a:rPr lang="fr-FR" sz="4700" dirty="0" smtClean="0"/>
               <a:t>Principe du Jeu</a:t>
             </a:r>
+            <a:r>
+              <a:rPr lang="fr-FR" dirty="0" smtClean="0"/>
+              <a:t/>
+            </a:r>
             <a:br>
-              <a:rPr lang="fr-FR" b="1" dirty="0" smtClean="0"/>
+              <a:rPr lang="fr-FR" dirty="0" smtClean="0"/>
             </a:br>
             <a:r>
-              <a:rPr lang="fr-FR" sz="2700" b="1" dirty="0" smtClean="0"/>
+              <a:rPr lang="fr-FR" sz="2700" u="sng" dirty="0" smtClean="0"/>
               <a:t>Plateau, pièces et but du jeu</a:t>
             </a:r>
+            <a:r>
+              <a:rPr lang="fr-FR" sz="2700" dirty="0" smtClean="0"/>
+              <a:t/>
+            </a:r>
             <a:br>
-              <a:rPr lang="fr-FR" sz="2700" b="1" dirty="0" smtClean="0"/>
+              <a:rPr lang="fr-FR" sz="2700" dirty="0" smtClean="0"/>
             </a:br>
             <a:r>
-              <a:rPr lang="fr-FR" sz="2700" b="1" dirty="0"/>
+              <a:rPr lang="fr-FR" sz="2700" dirty="0"/>
               <a:t/>
             </a:r>
             <a:br>
-              <a:rPr lang="fr-FR" sz="2700" b="1" dirty="0"/>
+              <a:rPr lang="fr-FR" sz="2700" dirty="0"/>
             </a:br>
             <a:r>
-              <a:rPr lang="fr-FR" sz="2700" b="1" dirty="0" smtClean="0"/>
+              <a:rPr lang="fr-FR" sz="2700" dirty="0" smtClean="0"/>
               <a:t/>
             </a:r>
             <a:br>
-              <a:rPr lang="fr-FR" sz="2700" b="1" dirty="0" smtClean="0"/>
+              <a:rPr lang="fr-FR" sz="2700" dirty="0" smtClean="0"/>
             </a:br>
             <a:r>
-              <a:rPr lang="fr-FR" sz="2700" b="1" dirty="0"/>
+              <a:rPr lang="fr-FR" sz="2700" dirty="0"/>
               <a:t/>
             </a:r>
             <a:br>
-              <a:rPr lang="fr-FR" sz="2700" b="1" dirty="0"/>
+              <a:rPr lang="fr-FR" sz="2700" dirty="0"/>
             </a:br>
             <a:r>
-              <a:rPr lang="fr-FR" sz="2700" b="1" dirty="0" smtClean="0"/>
+              <a:rPr lang="fr-FR" sz="2700" dirty="0" smtClean="0"/>
               <a:t/>
             </a:r>
             <a:br>
-              <a:rPr lang="fr-FR" sz="2700" b="1" dirty="0" smtClean="0"/>
+              <a:rPr lang="fr-FR" sz="2700" dirty="0" smtClean="0"/>
             </a:br>
             <a:r>
-              <a:rPr lang="fr-FR" sz="2700" b="1" dirty="0"/>
+              <a:rPr lang="fr-FR" sz="2700" dirty="0"/>
               <a:t/>
             </a:r>
             <a:br>
-              <a:rPr lang="fr-FR" sz="2700" b="1" dirty="0"/>
+              <a:rPr lang="fr-FR" sz="2700" dirty="0"/>
             </a:br>
             <a:r>
-              <a:rPr lang="fr-FR" sz="2700" b="1" dirty="0" smtClean="0"/>
+              <a:rPr lang="fr-FR" sz="2700" dirty="0" smtClean="0"/>
               <a:t/>
             </a:r>
             <a:br>
-              <a:rPr lang="fr-FR" sz="2700" b="1" dirty="0" smtClean="0"/>
+              <a:rPr lang="fr-FR" sz="2700" dirty="0" smtClean="0"/>
             </a:br>
             <a:r>
-              <a:rPr lang="fr-FR" sz="2700" b="1" dirty="0" smtClean="0"/>
+              <a:rPr lang="fr-FR" sz="2700" dirty="0" smtClean="0"/>
               <a:t/>
             </a:r>
             <a:br>
-              <a:rPr lang="fr-FR" sz="2700" b="1" dirty="0" smtClean="0"/>
+              <a:rPr lang="fr-FR" sz="2700" dirty="0" smtClean="0"/>
             </a:br>
             <a:r>
-              <a:rPr lang="fr-FR" sz="2700" b="1" dirty="0"/>
+              <a:rPr lang="fr-FR" sz="2700" dirty="0"/>
               <a:t/>
             </a:r>
             <a:br>
-              <a:rPr lang="fr-FR" sz="2700" b="1" dirty="0"/>
+              <a:rPr lang="fr-FR" sz="2700" dirty="0"/>
             </a:br>
             <a:r>
-              <a:rPr lang="fr-FR" sz="2700" b="1" dirty="0" smtClean="0"/>
+              <a:rPr lang="fr-FR" sz="2700" u="sng" dirty="0" smtClean="0"/>
               <a:t>Déroulement d’une partie:</a:t>
             </a:r>
-            <a:endParaRPr lang="fr-FR" sz="2700" b="1" dirty="0"/>
+            <a:endParaRPr lang="fr-FR" sz="2700" u="sng" dirty="0"/>
           </a:p>
         </p:txBody>
       </p:sp>
@@ -5379,25 +5910,52 @@
           </a:bodyPr>
           <a:lstStyle/>
           <a:p>
+            <a:pPr>
+              <a:buClr>
+                <a:schemeClr val="accent2">
+                  <a:lumMod val="75000"/>
+                </a:schemeClr>
+              </a:buClr>
+            </a:pPr>
             <a:r>
               <a:rPr lang="fr-FR" sz="2200" dirty="0" smtClean="0"/>
               <a:t>Le jeu se compose d’un plateau 4x4 cases et de 16 pièces toutes différentes</a:t>
             </a:r>
           </a:p>
           <a:p>
+            <a:pPr>
+              <a:buClr>
+                <a:schemeClr val="accent2">
+                  <a:lumMod val="75000"/>
+                </a:schemeClr>
+              </a:buClr>
+            </a:pPr>
             <a:r>
               <a:rPr lang="fr-FR" sz="2200" dirty="0" smtClean="0"/>
               <a:t>Chaque pièces possède 4 caractéristiques spécifiques :</a:t>
             </a:r>
           </a:p>
           <a:p>
-            <a:pPr lvl="1"/>
+            <a:pPr lvl="1">
+              <a:buClr>
+                <a:schemeClr val="accent2">
+                  <a:lumMod val="75000"/>
+                </a:schemeClr>
+              </a:buClr>
+            </a:pPr>
             <a:r>
               <a:rPr lang="fr-FR" sz="2200" dirty="0" smtClean="0"/>
               <a:t>Grande / petite ; Noire /Blanche ; Ronde /Carré ; Pleine/Trouée</a:t>
             </a:r>
           </a:p>
           <a:p>
+            <a:pPr>
+              <a:buClr>
+                <a:schemeClr val="accent2">
+                  <a:lumMod val="75000"/>
+                </a:schemeClr>
+              </a:buClr>
+            </a:pPr>
             <a:r>
               <a:rPr lang="fr-FR" sz="2200" dirty="0" smtClean="0"/>
               <a:t>Le Joueur réussissant à aligner 4 pièces partageant au moins une caractéristique gagne</a:t>
@@ -5433,10 +5991,10 @@
           <a:lstStyle/>
           <a:p>
             <a:r>
-              <a:rPr lang="fr-FR" dirty="0" smtClean="0"/>
-              <a:t>07/01/2015</a:t>
-            </a:r>
-            <a:endParaRPr lang="fr-FR" dirty="0"/>
+              <a:rPr lang="fr-FR" sz="2400" dirty="0" smtClean="0"/>
+              <a:t>24/02/2015</a:t>
+            </a:r>
+            <a:endParaRPr lang="fr-FR" sz="2400" dirty="0"/>
           </a:p>
         </p:txBody>
       </p:sp>
@@ -5456,10 +6014,10 @@
           <a:lstStyle/>
           <a:p>
             <a:r>
-              <a:rPr lang="fr-FR" smtClean="0"/>
+              <a:rPr lang="fr-FR" sz="2400" smtClean="0"/>
               <a:t>Jeu de Quarto</a:t>
             </a:r>
-            <a:endParaRPr lang="fr-FR"/>
+            <a:endParaRPr lang="fr-FR" sz="2400"/>
           </a:p>
         </p:txBody>
       </p:sp>
@@ -5479,10 +6037,10 @@
           <a:lstStyle/>
           <a:p>
             <a:fld id="{C2A51A7B-750C-4F70-8C54-D8A3C546085B}" type="slidenum">
-              <a:rPr lang="fr-FR" smtClean="0"/>
+              <a:rPr lang="fr-FR" sz="2400" smtClean="0"/>
               <a:t>3</a:t>
             </a:fld>
-            <a:endParaRPr lang="fr-FR"/>
+            <a:endParaRPr lang="fr-FR" sz="2400"/>
           </a:p>
         </p:txBody>
       </p:sp>
@@ -5735,6 +6293,13 @@
             </a:lvl9pPr>
           </a:lstStyle>
           <a:p>
+            <a:pPr>
+              <a:buClr>
+                <a:schemeClr val="accent2">
+                  <a:lumMod val="75000"/>
+                </a:schemeClr>
+              </a:buClr>
+            </a:pPr>
             <a:r>
               <a:rPr lang="fr-FR" sz="2200" dirty="0" smtClean="0">
                 <a:latin typeface="+mn-lt"/>
@@ -5743,6 +6308,13 @@
             </a:r>
           </a:p>
           <a:p>
+            <a:pPr>
+              <a:buClr>
+                <a:schemeClr val="accent2">
+                  <a:lumMod val="75000"/>
+                </a:schemeClr>
+              </a:buClr>
+            </a:pPr>
             <a:r>
               <a:rPr lang="fr-FR" sz="2200" dirty="0" smtClean="0">
                 <a:latin typeface="+mn-lt"/>
@@ -5751,6 +6323,13 @@
             </a:r>
           </a:p>
           <a:p>
+            <a:pPr>
+              <a:buClr>
+                <a:schemeClr val="accent2">
+                  <a:lumMod val="75000"/>
+                </a:schemeClr>
+              </a:buClr>
+            </a:pPr>
             <a:r>
               <a:rPr lang="fr-FR" sz="2200" dirty="0" smtClean="0">
                 <a:latin typeface="+mn-lt"/>
@@ -5760,6 +6339,11 @@
           </a:p>
           <a:p>
             <a:pPr marL="0" indent="0">
+              <a:buClr>
+                <a:schemeClr val="accent2">
+                  <a:lumMod val="75000"/>
+                </a:schemeClr>
+              </a:buClr>
               <a:buNone/>
             </a:pPr>
             <a:r>
@@ -5854,7 +6438,7 @@
           <a:lstStyle/>
           <a:p>
             <a:r>
-              <a:rPr lang="fr-FR" dirty="0" smtClean="0">
+              <a:rPr lang="fr-FR" sz="4200" dirty="0" smtClean="0">
                 <a:solidFill>
                   <a:schemeClr val="tx1">
                     <a:lumMod val="50000"/>
@@ -5863,7 +6447,7 @@
               </a:rPr>
               <a:t>Objectifs</a:t>
             </a:r>
-            <a:endParaRPr lang="fr-FR" dirty="0">
+            <a:endParaRPr lang="fr-FR" sz="4200" dirty="0">
               <a:solidFill>
                 <a:schemeClr val="tx1">
                   <a:lumMod val="50000"/>
@@ -5893,30 +6477,62 @@
           <a:bodyPr/>
           <a:lstStyle/>
           <a:p>
+            <a:pPr>
+              <a:buClr>
+                <a:schemeClr val="accent2">
+                  <a:lumMod val="75000"/>
+                </a:schemeClr>
+              </a:buClr>
+            </a:pPr>
             <a:r>
               <a:rPr lang="fr-FR" dirty="0" smtClean="0"/>
               <a:t>Objectif qualité : création d’un jeu de Quarto</a:t>
             </a:r>
           </a:p>
           <a:p>
-            <a:pPr lvl="1"/>
+            <a:pPr lvl="1">
+              <a:buClr>
+                <a:schemeClr val="accent2">
+                  <a:lumMod val="75000"/>
+                </a:schemeClr>
+              </a:buClr>
+            </a:pPr>
             <a:r>
               <a:rPr lang="fr-FR" dirty="0" smtClean="0"/>
               <a:t>Le jeu doit avoir une interface graphique</a:t>
             </a:r>
           </a:p>
           <a:p>
-            <a:pPr lvl="1"/>
+            <a:pPr lvl="1">
+              <a:buClr>
+                <a:schemeClr val="accent2">
+                  <a:lumMod val="75000"/>
+                </a:schemeClr>
+              </a:buClr>
+            </a:pPr>
             <a:r>
               <a:rPr lang="fr-FR" dirty="0" smtClean="0"/>
               <a:t>Un joueur doit pouvoir jouer contre l’ordinateur</a:t>
             </a:r>
           </a:p>
           <a:p>
-            <a:pPr lvl="1"/>
+            <a:pPr lvl="1">
+              <a:buClr>
+                <a:schemeClr val="accent2">
+                  <a:lumMod val="75000"/>
+                </a:schemeClr>
+              </a:buClr>
+            </a:pPr>
             <a:endParaRPr lang="fr-FR" dirty="0" smtClean="0"/>
           </a:p>
           <a:p>
+            <a:pPr>
+              <a:buClr>
+                <a:schemeClr val="accent2">
+                  <a:lumMod val="75000"/>
+                </a:schemeClr>
+              </a:buClr>
+            </a:pPr>
             <a:r>
               <a:rPr lang="fr-FR" dirty="0" smtClean="0"/>
               <a:t>Objectif de délai : Le projet doit être terminé pour le 15 Mai 2015 </a:t>
@@ -5950,10 +6566,10 @@
           <a:lstStyle/>
           <a:p>
             <a:r>
-              <a:rPr lang="fr-FR" smtClean="0"/>
-              <a:t>07/01/2015</a:t>
-            </a:r>
-            <a:endParaRPr lang="fr-FR"/>
+              <a:rPr lang="fr-FR" sz="2400" dirty="0" smtClean="0"/>
+              <a:t>24/02/2015</a:t>
+            </a:r>
+            <a:endParaRPr lang="fr-FR" sz="2400" dirty="0"/>
           </a:p>
         </p:txBody>
       </p:sp>
@@ -5973,10 +6589,10 @@
           <a:lstStyle/>
           <a:p>
             <a:r>
-              <a:rPr lang="fr-FR" smtClean="0"/>
+              <a:rPr lang="fr-FR" sz="2400" dirty="0" smtClean="0"/>
               <a:t>Jeu de Quarto</a:t>
             </a:r>
-            <a:endParaRPr lang="fr-FR"/>
+            <a:endParaRPr lang="fr-FR" sz="2400" dirty="0"/>
           </a:p>
         </p:txBody>
       </p:sp>
@@ -5996,10 +6612,10 @@
           <a:lstStyle/>
           <a:p>
             <a:fld id="{C2A51A7B-750C-4F70-8C54-D8A3C546085B}" type="slidenum">
-              <a:rPr lang="fr-FR" smtClean="0"/>
+              <a:rPr lang="fr-FR" sz="2400" smtClean="0"/>
               <a:t>4</a:t>
             </a:fld>
-            <a:endParaRPr lang="fr-FR"/>
+            <a:endParaRPr lang="fr-FR" sz="2400"/>
           </a:p>
         </p:txBody>
       </p:sp>
@@ -6096,82 +6712,156 @@
           </a:bodyPr>
           <a:lstStyle/>
           <a:p>
+            <a:pPr>
+              <a:buClr>
+                <a:schemeClr val="accent2">
+                  <a:lumMod val="75000"/>
+                </a:schemeClr>
+              </a:buClr>
+            </a:pPr>
             <a:r>
               <a:rPr lang="fr-FR" dirty="0" smtClean="0"/>
               <a:t>Chef de projet : BAUD Adrien</a:t>
             </a:r>
           </a:p>
           <a:p>
+            <a:pPr>
+              <a:buClr>
+                <a:schemeClr val="accent2">
+                  <a:lumMod val="75000"/>
+                </a:schemeClr>
+              </a:buClr>
+            </a:pPr>
             <a:r>
               <a:rPr lang="fr-FR" dirty="0" smtClean="0"/>
               <a:t>Répartition des taches :</a:t>
             </a:r>
           </a:p>
           <a:p>
-            <a:pPr lvl="1"/>
+            <a:pPr lvl="1">
+              <a:buClr>
+                <a:schemeClr val="accent2">
+                  <a:lumMod val="75000"/>
+                </a:schemeClr>
+              </a:buClr>
+            </a:pPr>
             <a:r>
               <a:rPr lang="fr-FR" dirty="0" smtClean="0"/>
               <a:t>Développement de l’interface graphique :</a:t>
             </a:r>
           </a:p>
           <a:p>
-            <a:pPr lvl="2"/>
+            <a:pPr lvl="2">
+              <a:buClr>
+                <a:schemeClr val="accent2">
+                  <a:lumMod val="75000"/>
+                </a:schemeClr>
+              </a:buClr>
+            </a:pPr>
             <a:r>
               <a:rPr lang="fr-FR" dirty="0" smtClean="0"/>
               <a:t>RAYBAUD Vincent</a:t>
             </a:r>
           </a:p>
           <a:p>
-            <a:pPr lvl="2"/>
+            <a:pPr lvl="2">
+              <a:buClr>
+                <a:schemeClr val="accent2">
+                  <a:lumMod val="75000"/>
+                </a:schemeClr>
+              </a:buClr>
+            </a:pPr>
             <a:r>
               <a:rPr lang="fr-FR" dirty="0" smtClean="0"/>
               <a:t>ROUSSEL Diego</a:t>
             </a:r>
           </a:p>
           <a:p>
-            <a:pPr lvl="1"/>
+            <a:pPr lvl="1">
+              <a:buClr>
+                <a:schemeClr val="accent2">
+                  <a:lumMod val="75000"/>
+                </a:schemeClr>
+              </a:buClr>
+            </a:pPr>
             <a:r>
               <a:rPr lang="fr-FR" dirty="0" smtClean="0"/>
               <a:t>Création du moteur du jeu :</a:t>
             </a:r>
           </a:p>
           <a:p>
-            <a:pPr lvl="2"/>
+            <a:pPr lvl="2">
+              <a:buClr>
+                <a:schemeClr val="accent2">
+                  <a:lumMod val="75000"/>
+                </a:schemeClr>
+              </a:buClr>
+            </a:pPr>
             <a:r>
               <a:rPr lang="fr-FR" dirty="0" smtClean="0"/>
               <a:t>BAUD Adrien</a:t>
             </a:r>
           </a:p>
           <a:p>
-            <a:pPr lvl="2"/>
+            <a:pPr lvl="2">
+              <a:buClr>
+                <a:schemeClr val="accent2">
+                  <a:lumMod val="75000"/>
+                </a:schemeClr>
+              </a:buClr>
+            </a:pPr>
             <a:r>
               <a:rPr lang="fr-FR" dirty="0" smtClean="0"/>
               <a:t>GREYL Robin</a:t>
             </a:r>
           </a:p>
           <a:p>
-            <a:pPr lvl="2"/>
+            <a:pPr lvl="2">
+              <a:buClr>
+                <a:schemeClr val="accent2">
+                  <a:lumMod val="75000"/>
+                </a:schemeClr>
+              </a:buClr>
+            </a:pPr>
             <a:r>
               <a:rPr lang="fr-FR" dirty="0" smtClean="0"/>
               <a:t>VARREL Lilian</a:t>
             </a:r>
           </a:p>
           <a:p>
-            <a:pPr lvl="1"/>
+            <a:pPr lvl="1">
+              <a:buClr>
+                <a:schemeClr val="accent2">
+                  <a:lumMod val="75000"/>
+                </a:schemeClr>
+              </a:buClr>
+            </a:pPr>
             <a:r>
               <a:rPr lang="fr-FR" dirty="0" smtClean="0"/>
               <a:t>Développement de l’intelligence artificielle :</a:t>
             </a:r>
           </a:p>
           <a:p>
-            <a:pPr lvl="2"/>
+            <a:pPr lvl="2">
+              <a:buClr>
+                <a:schemeClr val="accent2">
+                  <a:lumMod val="75000"/>
+                </a:schemeClr>
+              </a:buClr>
+            </a:pPr>
             <a:r>
               <a:rPr lang="fr-FR" dirty="0" smtClean="0"/>
               <a:t>CHAMPAGNON Adrien</a:t>
             </a:r>
           </a:p>
           <a:p>
-            <a:pPr lvl="2"/>
+            <a:pPr lvl="2">
+              <a:buClr>
+                <a:schemeClr val="accent2">
+                  <a:lumMod val="75000"/>
+                </a:schemeClr>
+              </a:buClr>
+            </a:pPr>
             <a:r>
               <a:rPr lang="fr-FR" dirty="0" smtClean="0"/>
               <a:t>DEBURE Margaux</a:t>
@@ -6199,10 +6889,10 @@
           <a:lstStyle/>
           <a:p>
             <a:r>
-              <a:rPr lang="fr-FR" smtClean="0"/>
-              <a:t>07/01/2015</a:t>
-            </a:r>
-            <a:endParaRPr lang="fr-FR"/>
+              <a:rPr lang="fr-FR" sz="2400" dirty="0" smtClean="0"/>
+              <a:t>24/02/2015</a:t>
+            </a:r>
+            <a:endParaRPr lang="fr-FR" sz="2400" dirty="0"/>
           </a:p>
         </p:txBody>
       </p:sp>
@@ -6222,10 +6912,10 @@
           <a:lstStyle/>
           <a:p>
             <a:r>
-              <a:rPr lang="fr-FR" smtClean="0"/>
+              <a:rPr lang="fr-FR" sz="2400" smtClean="0"/>
               <a:t>Jeu de Quarto</a:t>
             </a:r>
-            <a:endParaRPr lang="fr-FR"/>
+            <a:endParaRPr lang="fr-FR" sz="2400"/>
           </a:p>
         </p:txBody>
       </p:sp>
@@ -6245,10 +6935,10 @@
           <a:lstStyle/>
           <a:p>
             <a:fld id="{C2A51A7B-750C-4F70-8C54-D8A3C546085B}" type="slidenum">
-              <a:rPr lang="fr-FR" smtClean="0"/>
+              <a:rPr lang="fr-FR" sz="2400" smtClean="0"/>
               <a:t>5</a:t>
             </a:fld>
-            <a:endParaRPr lang="fr-FR"/>
+            <a:endParaRPr lang="fr-FR" sz="2400"/>
           </a:p>
         </p:txBody>
       </p:sp>
@@ -6385,10 +7075,10 @@
           <a:lstStyle/>
           <a:p>
             <a:r>
-              <a:rPr lang="fr-FR" smtClean="0"/>
-              <a:t>07/01/2015</a:t>
-            </a:r>
-            <a:endParaRPr lang="fr-FR"/>
+              <a:rPr lang="fr-FR" sz="2400" dirty="0" smtClean="0"/>
+              <a:t>24/02/2015</a:t>
+            </a:r>
+            <a:endParaRPr lang="fr-FR" sz="2400" dirty="0"/>
           </a:p>
         </p:txBody>
       </p:sp>
@@ -6408,10 +7098,10 @@
           <a:lstStyle/>
           <a:p>
             <a:r>
-              <a:rPr lang="fr-FR" smtClean="0"/>
+              <a:rPr lang="fr-FR" sz="2400" smtClean="0"/>
               <a:t>Jeu de Quarto</a:t>
             </a:r>
-            <a:endParaRPr lang="fr-FR"/>
+            <a:endParaRPr lang="fr-FR" sz="2400"/>
           </a:p>
         </p:txBody>
       </p:sp>
@@ -6431,10 +7121,10 @@
           <a:lstStyle/>
           <a:p>
             <a:fld id="{C2A51A7B-750C-4F70-8C54-D8A3C546085B}" type="slidenum">
-              <a:rPr lang="fr-FR" smtClean="0"/>
+              <a:rPr lang="fr-FR" sz="2400" smtClean="0"/>
               <a:t>6</a:t>
             </a:fld>
-            <a:endParaRPr lang="fr-FR"/>
+            <a:endParaRPr lang="fr-FR" sz="2400"/>
           </a:p>
         </p:txBody>
       </p:sp>
@@ -6552,34 +7242,6 @@
       </p:grpSpPr>
       <p:sp>
         <p:nvSpPr>
-          <p:cNvPr id="2" name="Titre 1"/>
-          <p:cNvSpPr>
-            <a:spLocks noGrp="1"/>
-          </p:cNvSpPr>
-          <p:nvPr>
-            <p:ph type="title"/>
-          </p:nvPr>
-        </p:nvSpPr>
-        <p:spPr>
-          <a:xfrm>
-            <a:off x="414306" y="189432"/>
-            <a:ext cx="9404723" cy="1400530"/>
-          </a:xfrm>
-        </p:spPr>
-        <p:txBody>
-          <a:bodyPr/>
-          <a:lstStyle/>
-          <a:p>
-            <a:r>
-              <a:rPr lang="fr-FR" dirty="0" smtClean="0"/>
-              <a:t>PERT</a:t>
-            </a:r>
-            <a:endParaRPr lang="fr-FR" dirty="0"/>
-          </a:p>
-        </p:txBody>
-      </p:sp>
-      <p:sp>
-        <p:nvSpPr>
           <p:cNvPr id="4" name="Espace réservé de la date 3"/>
           <p:cNvSpPr>
             <a:spLocks noGrp="1"/>
@@ -6594,10 +7256,10 @@
           <a:lstStyle/>
           <a:p>
             <a:r>
-              <a:rPr lang="fr-FR" smtClean="0"/>
-              <a:t>07/01/2015</a:t>
-            </a:r>
-            <a:endParaRPr lang="fr-FR"/>
+              <a:rPr lang="fr-FR" sz="2400" dirty="0" smtClean="0"/>
+              <a:t>24/02/2015</a:t>
+            </a:r>
+            <a:endParaRPr lang="fr-FR" sz="2400" dirty="0"/>
           </a:p>
         </p:txBody>
       </p:sp>
@@ -6617,10 +7279,10 @@
           <a:lstStyle/>
           <a:p>
             <a:r>
-              <a:rPr lang="fr-FR" smtClean="0"/>
+              <a:rPr lang="fr-FR" sz="2400" smtClean="0"/>
               <a:t>Jeu de Quarto</a:t>
             </a:r>
-            <a:endParaRPr lang="fr-FR"/>
+            <a:endParaRPr lang="fr-FR" sz="2400"/>
           </a:p>
         </p:txBody>
       </p:sp>
@@ -6637,27 +7299,55 @@
         <p:spPr/>
         <p:txBody>
           <a:bodyPr>
-            <a:normAutofit/>
+            <a:noAutofit/>
           </a:bodyPr>
           <a:lstStyle/>
           <a:p>
             <a:fld id="{C2A51A7B-750C-4F70-8C54-D8A3C546085B}" type="slidenum">
-              <a:rPr lang="fr-FR" smtClean="0"/>
+              <a:rPr lang="fr-FR" sz="2400" smtClean="0"/>
               <a:t>7</a:t>
             </a:fld>
-            <a:endParaRPr lang="fr-FR"/>
-          </a:p>
-        </p:txBody>
-      </p:sp>
-      <p:sp>
-        <p:nvSpPr>
-          <p:cNvPr id="7" name="Ellipse 6"/>
+            <a:endParaRPr lang="fr-FR" sz="2400"/>
+          </a:p>
+        </p:txBody>
+      </p:sp>
+      <p:sp>
+        <p:nvSpPr>
+          <p:cNvPr id="120" name="Titre 1"/>
+          <p:cNvSpPr>
+            <a:spLocks noGrp="1"/>
+          </p:cNvSpPr>
+          <p:nvPr>
+            <p:ph type="title"/>
+          </p:nvPr>
+        </p:nvSpPr>
+        <p:spPr>
+          <a:xfrm>
+            <a:off x="966756" y="0"/>
+            <a:ext cx="9404723" cy="1400530"/>
+          </a:xfrm>
+        </p:spPr>
+        <p:txBody>
+          <a:bodyPr/>
+          <a:lstStyle/>
+          <a:p>
+            <a:r>
+              <a:rPr lang="fr-FR" dirty="0" smtClean="0"/>
+              <a:t>PERT</a:t>
+            </a:r>
+            <a:endParaRPr lang="fr-FR" dirty="0"/>
+          </a:p>
+        </p:txBody>
+      </p:sp>
+      <p:sp>
+        <p:nvSpPr>
+          <p:cNvPr id="124" name="Ellipse 123"/>
           <p:cNvSpPr/>
           <p:nvPr/>
         </p:nvSpPr>
         <p:spPr>
           <a:xfrm>
-            <a:off x="335984" y="2478533"/>
+            <a:off x="888434" y="2289101"/>
             <a:ext cx="900000" cy="900000"/>
           </a:xfrm>
           <a:prstGeom prst="ellipse">
@@ -6691,16 +7381,16 @@
       </p:sp>
       <p:cxnSp>
         <p:nvCxnSpPr>
-          <p:cNvPr id="8" name="Connecteur droit 7"/>
+          <p:cNvPr id="125" name="Connecteur droit 124"/>
           <p:cNvCxnSpPr>
-            <a:stCxn id="7" idx="2"/>
-            <a:endCxn id="7" idx="6"/>
+            <a:stCxn id="124" idx="2"/>
+            <a:endCxn id="124" idx="6"/>
           </p:cNvCxnSpPr>
           <p:nvPr/>
         </p:nvCxnSpPr>
         <p:spPr>
           <a:xfrm>
-            <a:off x="335984" y="2928533"/>
+            <a:off x="888434" y="2739101"/>
             <a:ext cx="900000" cy="0"/>
           </a:xfrm>
           <a:prstGeom prst="line">
@@ -6724,16 +7414,16 @@
       </p:cxnSp>
       <p:cxnSp>
         <p:nvCxnSpPr>
-          <p:cNvPr id="9" name="Connecteur droit 8"/>
+          <p:cNvPr id="126" name="Connecteur droit 125"/>
           <p:cNvCxnSpPr>
-            <a:stCxn id="7" idx="2"/>
-            <a:endCxn id="7" idx="6"/>
+            <a:stCxn id="124" idx="2"/>
+            <a:endCxn id="124" idx="6"/>
           </p:cNvCxnSpPr>
           <p:nvPr/>
         </p:nvCxnSpPr>
         <p:spPr>
           <a:xfrm>
-            <a:off x="335984" y="2928533"/>
+            <a:off x="888434" y="2739101"/>
             <a:ext cx="900000" cy="0"/>
           </a:xfrm>
           <a:prstGeom prst="line">
@@ -6762,15 +7452,15 @@
       </p:cxnSp>
       <p:cxnSp>
         <p:nvCxnSpPr>
-          <p:cNvPr id="10" name="Connecteur droit 9"/>
+          <p:cNvPr id="127" name="Connecteur droit 126"/>
           <p:cNvCxnSpPr>
-            <a:stCxn id="7" idx="4"/>
+            <a:stCxn id="124" idx="4"/>
           </p:cNvCxnSpPr>
           <p:nvPr/>
         </p:nvCxnSpPr>
         <p:spPr>
           <a:xfrm flipV="1">
-            <a:off x="785984" y="2928533"/>
+            <a:off x="1338434" y="2739101"/>
             <a:ext cx="3502" cy="450000"/>
           </a:xfrm>
           <a:prstGeom prst="line">
@@ -6799,13 +7489,13 @@
       </p:cxnSp>
       <p:sp>
         <p:nvSpPr>
-          <p:cNvPr id="11" name="Ellipse 10"/>
+          <p:cNvPr id="128" name="Ellipse 127"/>
           <p:cNvSpPr/>
           <p:nvPr/>
         </p:nvSpPr>
         <p:spPr>
           <a:xfrm>
-            <a:off x="1819816" y="1301092"/>
+            <a:off x="2372266" y="1111660"/>
             <a:ext cx="900000" cy="900000"/>
           </a:xfrm>
           <a:prstGeom prst="ellipse">
@@ -6839,16 +7529,16 @@
       </p:sp>
       <p:cxnSp>
         <p:nvCxnSpPr>
-          <p:cNvPr id="12" name="Connecteur droit 11"/>
+          <p:cNvPr id="129" name="Connecteur droit 128"/>
           <p:cNvCxnSpPr>
-            <a:stCxn id="11" idx="2"/>
-            <a:endCxn id="11" idx="6"/>
+            <a:stCxn id="128" idx="2"/>
+            <a:endCxn id="128" idx="6"/>
           </p:cNvCxnSpPr>
           <p:nvPr/>
         </p:nvCxnSpPr>
         <p:spPr>
           <a:xfrm>
-            <a:off x="1819816" y="1751092"/>
+            <a:off x="2372266" y="1561660"/>
             <a:ext cx="900000" cy="0"/>
           </a:xfrm>
           <a:prstGeom prst="line">
@@ -6872,13 +7562,13 @@
       </p:cxnSp>
       <p:cxnSp>
         <p:nvCxnSpPr>
-          <p:cNvPr id="13" name="Connecteur droit 12"/>
+          <p:cNvPr id="130" name="Connecteur droit 129"/>
           <p:cNvCxnSpPr/>
           <p:nvPr/>
         </p:nvCxnSpPr>
         <p:spPr>
           <a:xfrm>
-            <a:off x="1819816" y="1751092"/>
+            <a:off x="2372266" y="1561660"/>
             <a:ext cx="900000" cy="0"/>
           </a:xfrm>
           <a:prstGeom prst="line">
@@ -6907,15 +7597,15 @@
       </p:cxnSp>
       <p:cxnSp>
         <p:nvCxnSpPr>
-          <p:cNvPr id="14" name="Connecteur droit 13"/>
+          <p:cNvPr id="131" name="Connecteur droit 130"/>
           <p:cNvCxnSpPr>
-            <a:stCxn id="11" idx="4"/>
+            <a:stCxn id="128" idx="4"/>
           </p:cNvCxnSpPr>
           <p:nvPr/>
         </p:nvCxnSpPr>
         <p:spPr>
           <a:xfrm flipV="1">
-            <a:off x="2269816" y="1751092"/>
+            <a:off x="2822266" y="1561660"/>
             <a:ext cx="3502" cy="450000"/>
           </a:xfrm>
           <a:prstGeom prst="line">
@@ -6944,13 +7634,13 @@
       </p:cxnSp>
       <p:sp>
         <p:nvSpPr>
-          <p:cNvPr id="15" name="Ellipse 14"/>
+          <p:cNvPr id="132" name="Ellipse 131"/>
           <p:cNvSpPr/>
           <p:nvPr/>
         </p:nvSpPr>
         <p:spPr>
           <a:xfrm>
-            <a:off x="3239296" y="2473236"/>
+            <a:off x="3791746" y="2283804"/>
             <a:ext cx="900000" cy="900000"/>
           </a:xfrm>
           <a:prstGeom prst="ellipse">
@@ -6984,16 +7674,16 @@
       </p:sp>
       <p:cxnSp>
         <p:nvCxnSpPr>
-          <p:cNvPr id="16" name="Connecteur droit 15"/>
+          <p:cNvPr id="133" name="Connecteur droit 132"/>
           <p:cNvCxnSpPr>
-            <a:stCxn id="15" idx="2"/>
-            <a:endCxn id="15" idx="6"/>
+            <a:stCxn id="132" idx="2"/>
+            <a:endCxn id="132" idx="6"/>
           </p:cNvCxnSpPr>
           <p:nvPr/>
         </p:nvCxnSpPr>
         <p:spPr>
           <a:xfrm>
-            <a:off x="3239296" y="2923236"/>
+            <a:off x="3791746" y="2733804"/>
             <a:ext cx="900000" cy="0"/>
           </a:xfrm>
           <a:prstGeom prst="line">
@@ -7017,16 +7707,16 @@
       </p:cxnSp>
       <p:cxnSp>
         <p:nvCxnSpPr>
-          <p:cNvPr id="17" name="Connecteur droit 16"/>
+          <p:cNvPr id="134" name="Connecteur droit 133"/>
           <p:cNvCxnSpPr>
-            <a:stCxn id="15" idx="2"/>
-            <a:endCxn id="15" idx="6"/>
+            <a:stCxn id="132" idx="2"/>
+            <a:endCxn id="132" idx="6"/>
           </p:cNvCxnSpPr>
           <p:nvPr/>
         </p:nvCxnSpPr>
         <p:spPr>
           <a:xfrm>
-            <a:off x="3239296" y="2923236"/>
+            <a:off x="3791746" y="2733804"/>
             <a:ext cx="900000" cy="0"/>
           </a:xfrm>
           <a:prstGeom prst="line">
@@ -7055,15 +7745,15 @@
       </p:cxnSp>
       <p:cxnSp>
         <p:nvCxnSpPr>
-          <p:cNvPr id="18" name="Connecteur droit 17"/>
+          <p:cNvPr id="135" name="Connecteur droit 134"/>
           <p:cNvCxnSpPr>
-            <a:stCxn id="15" idx="4"/>
+            <a:stCxn id="132" idx="4"/>
           </p:cNvCxnSpPr>
           <p:nvPr/>
         </p:nvCxnSpPr>
         <p:spPr>
           <a:xfrm flipV="1">
-            <a:off x="3689296" y="2923236"/>
+            <a:off x="4241746" y="2733804"/>
             <a:ext cx="3502" cy="450000"/>
           </a:xfrm>
           <a:prstGeom prst="line">
@@ -7092,13 +7782,13 @@
       </p:cxnSp>
       <p:sp>
         <p:nvSpPr>
-          <p:cNvPr id="19" name="Ellipse 18"/>
+          <p:cNvPr id="136" name="Ellipse 135"/>
           <p:cNvSpPr/>
           <p:nvPr/>
         </p:nvSpPr>
         <p:spPr>
           <a:xfrm>
-            <a:off x="5629071" y="2467752"/>
+            <a:off x="6181521" y="2278320"/>
             <a:ext cx="900000" cy="900000"/>
           </a:xfrm>
           <a:prstGeom prst="ellipse">
@@ -7132,16 +7822,16 @@
       </p:sp>
       <p:cxnSp>
         <p:nvCxnSpPr>
-          <p:cNvPr id="20" name="Connecteur droit 19"/>
+          <p:cNvPr id="137" name="Connecteur droit 136"/>
           <p:cNvCxnSpPr>
-            <a:stCxn id="19" idx="2"/>
-            <a:endCxn id="19" idx="6"/>
+            <a:stCxn id="136" idx="2"/>
+            <a:endCxn id="136" idx="6"/>
           </p:cNvCxnSpPr>
           <p:nvPr/>
         </p:nvCxnSpPr>
         <p:spPr>
           <a:xfrm>
-            <a:off x="5629071" y="2917752"/>
+            <a:off x="6181521" y="2728320"/>
             <a:ext cx="900000" cy="0"/>
           </a:xfrm>
           <a:prstGeom prst="line">
@@ -7165,16 +7855,16 @@
       </p:cxnSp>
       <p:cxnSp>
         <p:nvCxnSpPr>
-          <p:cNvPr id="21" name="Connecteur droit 20"/>
+          <p:cNvPr id="138" name="Connecteur droit 137"/>
           <p:cNvCxnSpPr>
-            <a:stCxn id="19" idx="2"/>
-            <a:endCxn id="19" idx="6"/>
+            <a:stCxn id="136" idx="2"/>
+            <a:endCxn id="136" idx="6"/>
           </p:cNvCxnSpPr>
           <p:nvPr/>
         </p:nvCxnSpPr>
         <p:spPr>
           <a:xfrm>
-            <a:off x="5629071" y="2917752"/>
+            <a:off x="6181521" y="2728320"/>
             <a:ext cx="900000" cy="0"/>
           </a:xfrm>
           <a:prstGeom prst="line">
@@ -7203,15 +7893,15 @@
       </p:cxnSp>
       <p:cxnSp>
         <p:nvCxnSpPr>
-          <p:cNvPr id="22" name="Connecteur droit 21"/>
+          <p:cNvPr id="139" name="Connecteur droit 138"/>
           <p:cNvCxnSpPr>
-            <a:stCxn id="19" idx="4"/>
+            <a:stCxn id="136" idx="4"/>
           </p:cNvCxnSpPr>
           <p:nvPr/>
         </p:nvCxnSpPr>
         <p:spPr>
           <a:xfrm flipV="1">
-            <a:off x="6079071" y="2917752"/>
+            <a:off x="6631521" y="2728320"/>
             <a:ext cx="3502" cy="450000"/>
           </a:xfrm>
           <a:prstGeom prst="line">
@@ -7240,13 +7930,13 @@
       </p:cxnSp>
       <p:sp>
         <p:nvSpPr>
-          <p:cNvPr id="23" name="Ellipse 22"/>
+          <p:cNvPr id="140" name="Ellipse 139"/>
           <p:cNvSpPr/>
           <p:nvPr/>
         </p:nvSpPr>
         <p:spPr>
           <a:xfrm>
-            <a:off x="8560087" y="2466689"/>
+            <a:off x="9112537" y="2277257"/>
             <a:ext cx="900000" cy="900000"/>
           </a:xfrm>
           <a:prstGeom prst="ellipse">
@@ -7280,16 +7970,16 @@
       </p:sp>
       <p:cxnSp>
         <p:nvCxnSpPr>
-          <p:cNvPr id="24" name="Connecteur droit 23"/>
+          <p:cNvPr id="141" name="Connecteur droit 140"/>
           <p:cNvCxnSpPr>
-            <a:stCxn id="23" idx="2"/>
-            <a:endCxn id="23" idx="6"/>
+            <a:stCxn id="140" idx="2"/>
+            <a:endCxn id="140" idx="6"/>
           </p:cNvCxnSpPr>
           <p:nvPr/>
         </p:nvCxnSpPr>
         <p:spPr>
           <a:xfrm>
-            <a:off x="8560087" y="2916689"/>
+            <a:off x="9112537" y="2727257"/>
             <a:ext cx="900000" cy="0"/>
           </a:xfrm>
           <a:prstGeom prst="line">
@@ -7313,16 +8003,16 @@
       </p:cxnSp>
       <p:cxnSp>
         <p:nvCxnSpPr>
-          <p:cNvPr id="25" name="Connecteur droit 24"/>
+          <p:cNvPr id="142" name="Connecteur droit 141"/>
           <p:cNvCxnSpPr>
-            <a:stCxn id="23" idx="2"/>
-            <a:endCxn id="23" idx="6"/>
+            <a:stCxn id="140" idx="2"/>
+            <a:endCxn id="140" idx="6"/>
           </p:cNvCxnSpPr>
           <p:nvPr/>
         </p:nvCxnSpPr>
         <p:spPr>
           <a:xfrm>
-            <a:off x="8560087" y="2916689"/>
+            <a:off x="9112537" y="2727257"/>
             <a:ext cx="900000" cy="0"/>
           </a:xfrm>
           <a:prstGeom prst="line">
@@ -7351,15 +8041,15 @@
       </p:cxnSp>
       <p:cxnSp>
         <p:nvCxnSpPr>
-          <p:cNvPr id="26" name="Connecteur droit 25"/>
+          <p:cNvPr id="143" name="Connecteur droit 142"/>
           <p:cNvCxnSpPr>
-            <a:stCxn id="23" idx="4"/>
+            <a:stCxn id="140" idx="4"/>
           </p:cNvCxnSpPr>
           <p:nvPr/>
         </p:nvCxnSpPr>
         <p:spPr>
           <a:xfrm flipV="1">
-            <a:off x="9010087" y="2916689"/>
+            <a:off x="9562537" y="2727257"/>
             <a:ext cx="3502" cy="450000"/>
           </a:xfrm>
           <a:prstGeom prst="line">
@@ -7388,13 +8078,13 @@
       </p:cxnSp>
       <p:sp>
         <p:nvSpPr>
-          <p:cNvPr id="27" name="Ellipse 26"/>
+          <p:cNvPr id="144" name="Ellipse 143"/>
           <p:cNvSpPr/>
           <p:nvPr/>
         </p:nvSpPr>
         <p:spPr>
           <a:xfrm>
-            <a:off x="1152275" y="5404655"/>
+            <a:off x="1704725" y="5215223"/>
             <a:ext cx="900000" cy="900000"/>
           </a:xfrm>
           <a:prstGeom prst="ellipse">
@@ -7428,16 +8118,16 @@
       </p:sp>
       <p:cxnSp>
         <p:nvCxnSpPr>
-          <p:cNvPr id="28" name="Connecteur droit 27"/>
+          <p:cNvPr id="145" name="Connecteur droit 144"/>
           <p:cNvCxnSpPr>
-            <a:stCxn id="27" idx="2"/>
-            <a:endCxn id="27" idx="6"/>
+            <a:stCxn id="144" idx="2"/>
+            <a:endCxn id="144" idx="6"/>
           </p:cNvCxnSpPr>
           <p:nvPr/>
         </p:nvCxnSpPr>
         <p:spPr>
           <a:xfrm>
-            <a:off x="1152275" y="5854655"/>
+            <a:off x="1704725" y="5665223"/>
             <a:ext cx="900000" cy="0"/>
           </a:xfrm>
           <a:prstGeom prst="line">
@@ -7461,16 +8151,16 @@
       </p:cxnSp>
       <p:cxnSp>
         <p:nvCxnSpPr>
-          <p:cNvPr id="29" name="Connecteur droit 28"/>
+          <p:cNvPr id="146" name="Connecteur droit 145"/>
           <p:cNvCxnSpPr>
-            <a:stCxn id="27" idx="2"/>
-            <a:endCxn id="27" idx="6"/>
+            <a:stCxn id="144" idx="2"/>
+            <a:endCxn id="144" idx="6"/>
           </p:cNvCxnSpPr>
           <p:nvPr/>
         </p:nvCxnSpPr>
         <p:spPr>
           <a:xfrm>
-            <a:off x="1152275" y="5854655"/>
+            <a:off x="1704725" y="5665223"/>
             <a:ext cx="900000" cy="0"/>
           </a:xfrm>
           <a:prstGeom prst="line">
@@ -7499,15 +8189,15 @@
       </p:cxnSp>
       <p:cxnSp>
         <p:nvCxnSpPr>
-          <p:cNvPr id="30" name="Connecteur droit 29"/>
+          <p:cNvPr id="147" name="Connecteur droit 146"/>
           <p:cNvCxnSpPr>
-            <a:stCxn id="27" idx="4"/>
+            <a:stCxn id="144" idx="4"/>
           </p:cNvCxnSpPr>
           <p:nvPr/>
         </p:nvCxnSpPr>
         <p:spPr>
           <a:xfrm flipV="1">
-            <a:off x="1602275" y="5854655"/>
+            <a:off x="2154725" y="5665223"/>
             <a:ext cx="3502" cy="450000"/>
           </a:xfrm>
           <a:prstGeom prst="line">
@@ -7536,13 +8226,13 @@
       </p:cxnSp>
       <p:sp>
         <p:nvSpPr>
-          <p:cNvPr id="31" name="Ellipse 30"/>
+          <p:cNvPr id="148" name="Ellipse 147"/>
           <p:cNvSpPr/>
           <p:nvPr/>
         </p:nvSpPr>
         <p:spPr>
           <a:xfrm>
-            <a:off x="3702393" y="5392810"/>
+            <a:off x="4254843" y="5203378"/>
             <a:ext cx="900000" cy="900000"/>
           </a:xfrm>
           <a:prstGeom prst="ellipse">
@@ -7576,16 +8266,16 @@
       </p:sp>
       <p:cxnSp>
         <p:nvCxnSpPr>
-          <p:cNvPr id="32" name="Connecteur droit 31"/>
+          <p:cNvPr id="149" name="Connecteur droit 148"/>
           <p:cNvCxnSpPr>
-            <a:stCxn id="31" idx="2"/>
-            <a:endCxn id="31" idx="6"/>
+            <a:stCxn id="148" idx="2"/>
+            <a:endCxn id="148" idx="6"/>
           </p:cNvCxnSpPr>
           <p:nvPr/>
         </p:nvCxnSpPr>
         <p:spPr>
           <a:xfrm>
-            <a:off x="3702393" y="5842810"/>
+            <a:off x="4254843" y="5653378"/>
             <a:ext cx="900000" cy="0"/>
           </a:xfrm>
           <a:prstGeom prst="line">
@@ -7609,16 +8299,16 @@
       </p:cxnSp>
       <p:cxnSp>
         <p:nvCxnSpPr>
-          <p:cNvPr id="33" name="Connecteur droit 32"/>
+          <p:cNvPr id="150" name="Connecteur droit 149"/>
           <p:cNvCxnSpPr>
-            <a:stCxn id="31" idx="2"/>
-            <a:endCxn id="31" idx="6"/>
+            <a:stCxn id="148" idx="2"/>
+            <a:endCxn id="148" idx="6"/>
           </p:cNvCxnSpPr>
           <p:nvPr/>
         </p:nvCxnSpPr>
         <p:spPr>
           <a:xfrm>
-            <a:off x="3702393" y="5842810"/>
+            <a:off x="4254843" y="5653378"/>
             <a:ext cx="900000" cy="0"/>
           </a:xfrm>
           <a:prstGeom prst="line">
@@ -7647,15 +8337,15 @@
       </p:cxnSp>
       <p:cxnSp>
         <p:nvCxnSpPr>
-          <p:cNvPr id="34" name="Connecteur droit 33"/>
+          <p:cNvPr id="151" name="Connecteur droit 150"/>
           <p:cNvCxnSpPr>
-            <a:stCxn id="31" idx="4"/>
+            <a:stCxn id="148" idx="4"/>
           </p:cNvCxnSpPr>
           <p:nvPr/>
         </p:nvCxnSpPr>
         <p:spPr>
           <a:xfrm flipV="1">
-            <a:off x="4152393" y="5842810"/>
+            <a:off x="4704843" y="5653378"/>
             <a:ext cx="3502" cy="450000"/>
           </a:xfrm>
           <a:prstGeom prst="line">
@@ -7684,22 +8374,22 @@
       </p:cxnSp>
       <p:cxnSp>
         <p:nvCxnSpPr>
-          <p:cNvPr id="35" name="Connecteur en angle 34"/>
+          <p:cNvPr id="152" name="Connecteur en angle 151"/>
           <p:cNvCxnSpPr>
-            <a:stCxn id="7" idx="0"/>
-            <a:endCxn id="11" idx="2"/>
+            <a:stCxn id="124" idx="0"/>
+            <a:endCxn id="128" idx="2"/>
           </p:cNvCxnSpPr>
           <p:nvPr/>
         </p:nvCxnSpPr>
         <p:spPr>
           <a:xfrm rot="5400000" flipH="1" flipV="1">
-            <a:off x="939180" y="1597897"/>
+            <a:off x="1491630" y="1408465"/>
             <a:ext cx="727441" cy="1033832"/>
           </a:xfrm>
           <a:prstGeom prst="bentConnector2">
             <a:avLst/>
           </a:prstGeom>
-          <a:ln>
+          <a:ln w="50800">
             <a:tailEnd type="triangle"/>
           </a:ln>
         </p:spPr>
@@ -7720,16 +8410,16 @@
       </p:cxnSp>
       <p:cxnSp>
         <p:nvCxnSpPr>
-          <p:cNvPr id="36" name="Connecteur en angle 35"/>
+          <p:cNvPr id="153" name="Connecteur en angle 152"/>
           <p:cNvCxnSpPr>
-            <a:stCxn id="11" idx="6"/>
-            <a:endCxn id="15" idx="0"/>
+            <a:stCxn id="128" idx="6"/>
+            <a:endCxn id="132" idx="0"/>
           </p:cNvCxnSpPr>
           <p:nvPr/>
         </p:nvCxnSpPr>
         <p:spPr>
           <a:xfrm>
-            <a:off x="2719816" y="1751092"/>
+            <a:off x="3272266" y="1561660"/>
             <a:ext cx="969480" cy="722144"/>
           </a:xfrm>
           <a:prstGeom prst="bentConnector2">
@@ -7756,22 +8446,22 @@
       </p:cxnSp>
       <p:cxnSp>
         <p:nvCxnSpPr>
-          <p:cNvPr id="37" name="Connecteur en angle 36"/>
+          <p:cNvPr id="154" name="Connecteur en angle 153"/>
           <p:cNvCxnSpPr>
-            <a:stCxn id="7" idx="6"/>
-            <a:endCxn id="15" idx="2"/>
+            <a:stCxn id="124" idx="6"/>
+            <a:endCxn id="132" idx="2"/>
           </p:cNvCxnSpPr>
           <p:nvPr/>
         </p:nvCxnSpPr>
         <p:spPr>
           <a:xfrm flipV="1">
-            <a:off x="1235984" y="2923236"/>
+            <a:off x="1788434" y="2733804"/>
             <a:ext cx="2003312" cy="5297"/>
           </a:xfrm>
           <a:prstGeom prst="bentConnector3">
             <a:avLst/>
           </a:prstGeom>
-          <a:ln>
+          <a:ln w="50800">
             <a:tailEnd type="triangle"/>
           </a:ln>
         </p:spPr>
@@ -7792,22 +8482,22 @@
       </p:cxnSp>
       <p:cxnSp>
         <p:nvCxnSpPr>
-          <p:cNvPr id="38" name="Connecteur en angle 37"/>
+          <p:cNvPr id="155" name="Connecteur en angle 154"/>
           <p:cNvCxnSpPr>
-            <a:stCxn id="15" idx="6"/>
-            <a:endCxn id="19" idx="2"/>
+            <a:stCxn id="132" idx="6"/>
+            <a:endCxn id="136" idx="2"/>
           </p:cNvCxnSpPr>
           <p:nvPr/>
         </p:nvCxnSpPr>
         <p:spPr>
           <a:xfrm flipV="1">
-            <a:off x="4139296" y="2917752"/>
+            <a:off x="4691746" y="2728320"/>
             <a:ext cx="1489775" cy="5484"/>
           </a:xfrm>
           <a:prstGeom prst="bentConnector3">
             <a:avLst/>
           </a:prstGeom>
-          <a:ln>
+          <a:ln w="50800">
             <a:tailEnd type="triangle"/>
           </a:ln>
         </p:spPr>
@@ -7828,16 +8518,16 @@
       </p:cxnSp>
       <p:cxnSp>
         <p:nvCxnSpPr>
-          <p:cNvPr id="39" name="Connecteur en angle 38"/>
+          <p:cNvPr id="156" name="Connecteur en angle 155"/>
           <p:cNvCxnSpPr>
-            <a:stCxn id="19" idx="0"/>
-            <a:endCxn id="23" idx="0"/>
+            <a:stCxn id="136" idx="0"/>
+            <a:endCxn id="140" idx="0"/>
           </p:cNvCxnSpPr>
           <p:nvPr/>
         </p:nvCxnSpPr>
         <p:spPr>
           <a:xfrm rot="5400000" flipH="1" flipV="1">
-            <a:off x="7544048" y="1001713"/>
+            <a:off x="8096498" y="812281"/>
             <a:ext cx="1063" cy="2931016"/>
           </a:xfrm>
           <a:prstGeom prst="bentConnector3">
@@ -7866,16 +8556,16 @@
       </p:cxnSp>
       <p:cxnSp>
         <p:nvCxnSpPr>
-          <p:cNvPr id="40" name="Connecteur en angle 39"/>
+          <p:cNvPr id="157" name="Connecteur en angle 156"/>
           <p:cNvCxnSpPr>
-            <a:stCxn id="19" idx="4"/>
-            <a:endCxn id="23" idx="4"/>
+            <a:stCxn id="136" idx="4"/>
+            <a:endCxn id="140" idx="4"/>
           </p:cNvCxnSpPr>
           <p:nvPr/>
         </p:nvCxnSpPr>
         <p:spPr>
           <a:xfrm rot="5400000" flipH="1" flipV="1">
-            <a:off x="7544047" y="1901713"/>
+            <a:off x="8096497" y="1712281"/>
             <a:ext cx="1063" cy="2931016"/>
           </a:xfrm>
           <a:prstGeom prst="bentConnector3">
@@ -7883,7 +8573,7 @@
               <a:gd name="adj1" fmla="val -21505174"/>
             </a:avLst>
           </a:prstGeom>
-          <a:ln>
+          <a:ln w="50800">
             <a:tailEnd type="triangle"/>
           </a:ln>
         </p:spPr>
@@ -7904,22 +8594,22 @@
       </p:cxnSp>
       <p:cxnSp>
         <p:nvCxnSpPr>
-          <p:cNvPr id="41" name="Connecteur en angle 40"/>
+          <p:cNvPr id="158" name="Connecteur en angle 157"/>
           <p:cNvCxnSpPr>
-            <a:stCxn id="19" idx="6"/>
-            <a:endCxn id="23" idx="2"/>
+            <a:stCxn id="136" idx="6"/>
+            <a:endCxn id="140" idx="2"/>
           </p:cNvCxnSpPr>
           <p:nvPr/>
         </p:nvCxnSpPr>
         <p:spPr>
           <a:xfrm flipV="1">
-            <a:off x="6529071" y="2916689"/>
+            <a:off x="7081521" y="2727257"/>
             <a:ext cx="2031016" cy="1063"/>
           </a:xfrm>
           <a:prstGeom prst="bentConnector3">
             <a:avLst/>
           </a:prstGeom>
-          <a:ln>
+          <a:ln w="50800">
             <a:tailEnd type="triangle"/>
           </a:ln>
         </p:spPr>
@@ -7940,16 +8630,16 @@
       </p:cxnSp>
       <p:cxnSp>
         <p:nvCxnSpPr>
-          <p:cNvPr id="42" name="Connecteur en angle 41"/>
+          <p:cNvPr id="159" name="Connecteur en angle 158"/>
           <p:cNvCxnSpPr>
-            <a:stCxn id="23" idx="6"/>
-            <a:endCxn id="27" idx="2"/>
+            <a:stCxn id="140" idx="6"/>
+            <a:endCxn id="144" idx="2"/>
           </p:cNvCxnSpPr>
           <p:nvPr/>
         </p:nvCxnSpPr>
         <p:spPr>
           <a:xfrm flipH="1">
-            <a:off x="1152275" y="2916689"/>
+            <a:off x="1704725" y="2727257"/>
             <a:ext cx="8307812" cy="2937966"/>
           </a:xfrm>
           <a:prstGeom prst="bentConnector5">
@@ -7959,7 +8649,7 @@
               <a:gd name="adj3" fmla="val 102752"/>
             </a:avLst>
           </a:prstGeom>
-          <a:ln>
+          <a:ln w="50800">
             <a:tailEnd type="triangle"/>
           </a:ln>
         </p:spPr>
@@ -7980,22 +8670,22 @@
       </p:cxnSp>
       <p:cxnSp>
         <p:nvCxnSpPr>
-          <p:cNvPr id="43" name="Connecteur en angle 42"/>
+          <p:cNvPr id="160" name="Connecteur en angle 159"/>
           <p:cNvCxnSpPr>
-            <a:stCxn id="27" idx="6"/>
-            <a:endCxn id="31" idx="2"/>
+            <a:stCxn id="144" idx="6"/>
+            <a:endCxn id="148" idx="2"/>
           </p:cNvCxnSpPr>
           <p:nvPr/>
         </p:nvCxnSpPr>
         <p:spPr>
           <a:xfrm flipV="1">
-            <a:off x="2052275" y="5842810"/>
+            <a:off x="2604725" y="5653378"/>
             <a:ext cx="1650118" cy="11845"/>
           </a:xfrm>
           <a:prstGeom prst="bentConnector3">
             <a:avLst/>
           </a:prstGeom>
-          <a:ln>
+          <a:ln w="50800">
             <a:tailEnd type="triangle"/>
           </a:ln>
         </p:spPr>
@@ -8016,14 +8706,14 @@
       </p:cxnSp>
       <p:sp>
         <p:nvSpPr>
-          <p:cNvPr id="44" name="ZoneTexte 43"/>
+          <p:cNvPr id="161" name="ZoneTexte 160"/>
           <p:cNvSpPr txBox="1"/>
           <p:nvPr/>
         </p:nvSpPr>
         <p:spPr>
           <a:xfrm>
-            <a:off x="40566" y="1161115"/>
-            <a:ext cx="1863011" cy="646331"/>
+            <a:off x="325407" y="863524"/>
+            <a:ext cx="2154757" cy="646331"/>
           </a:xfrm>
           <a:prstGeom prst="rect">
             <a:avLst/>
@@ -8048,7 +8738,15 @@
             </a:r>
             <a:r>
               <a:rPr lang="fr-FR" dirty="0" smtClean="0"/>
-              <a:t>    du Java</a:t>
+              <a:t>    du Java (4 </a:t>
+            </a:r>
+            <a:r>
+              <a:rPr lang="fr-FR" dirty="0" err="1" smtClean="0"/>
+              <a:t>sm</a:t>
+            </a:r>
+            <a:r>
+              <a:rPr lang="fr-FR" dirty="0" smtClean="0"/>
+              <a:t>)</a:t>
             </a:r>
             <a:endParaRPr lang="fr-FR" dirty="0"/>
           </a:p>
@@ -8056,14 +8754,14 @@
       </p:sp>
       <p:sp>
         <p:nvSpPr>
-          <p:cNvPr id="45" name="ZoneTexte 44"/>
+          <p:cNvPr id="162" name="ZoneTexte 161"/>
           <p:cNvSpPr txBox="1"/>
           <p:nvPr/>
         </p:nvSpPr>
         <p:spPr>
           <a:xfrm>
-            <a:off x="2777660" y="1162281"/>
-            <a:ext cx="2031967" cy="646331"/>
+            <a:off x="3330110" y="972849"/>
+            <a:ext cx="2440092" cy="646331"/>
           </a:xfrm>
           <a:prstGeom prst="rect">
             <a:avLst/>
@@ -8084,22 +8782,29 @@
           <a:p>
             <a:r>
               <a:rPr lang="fr-FR" dirty="0" smtClean="0"/>
-              <a:t>Jeu de dame</a:t>
-            </a:r>
-            <a:endParaRPr lang="fr-FR" dirty="0"/>
-          </a:p>
-        </p:txBody>
-      </p:sp>
-      <p:sp>
-        <p:nvSpPr>
-          <p:cNvPr id="46" name="ZoneTexte 45"/>
+              <a:t>Jeu de dame (3 </a:t>
+            </a:r>
+            <a:r>
+              <a:rPr lang="fr-FR" dirty="0" err="1" smtClean="0"/>
+              <a:t>sm</a:t>
+            </a:r>
+            <a:r>
+              <a:rPr lang="fr-FR" dirty="0" smtClean="0"/>
+              <a:t>)</a:t>
+            </a:r>
+          </a:p>
+        </p:txBody>
+      </p:sp>
+      <p:sp>
+        <p:nvSpPr>
+          <p:cNvPr id="163" name="ZoneTexte 162"/>
           <p:cNvSpPr txBox="1"/>
           <p:nvPr/>
         </p:nvSpPr>
         <p:spPr>
           <a:xfrm>
-            <a:off x="1104144" y="3072114"/>
-            <a:ext cx="2355132" cy="923330"/>
+            <a:off x="1656594" y="2882682"/>
+            <a:ext cx="2446504" cy="923330"/>
           </a:xfrm>
           <a:prstGeom prst="rect">
             <a:avLst/>
@@ -8126,21 +8831,29 @@
           <a:p>
             <a:r>
               <a:rPr lang="fr-FR" dirty="0" smtClean="0"/>
-              <a:t>des stratégies</a:t>
-            </a:r>
-          </a:p>
-        </p:txBody>
-      </p:sp>
-      <p:sp>
-        <p:nvSpPr>
-          <p:cNvPr id="47" name="ZoneTexte 46"/>
+              <a:t>des stratégies (8 </a:t>
+            </a:r>
+            <a:r>
+              <a:rPr lang="fr-FR" dirty="0" err="1" smtClean="0"/>
+              <a:t>sm</a:t>
+            </a:r>
+            <a:r>
+              <a:rPr lang="fr-FR" dirty="0" smtClean="0"/>
+              <a:t>)</a:t>
+            </a:r>
+          </a:p>
+        </p:txBody>
+      </p:sp>
+      <p:sp>
+        <p:nvSpPr>
+          <p:cNvPr id="164" name="ZoneTexte 163"/>
           <p:cNvSpPr txBox="1"/>
           <p:nvPr/>
         </p:nvSpPr>
         <p:spPr>
           <a:xfrm>
-            <a:off x="4152393" y="2920494"/>
-            <a:ext cx="1614096" cy="1200329"/>
+            <a:off x="4558577" y="2739521"/>
+            <a:ext cx="2400016" cy="1200329"/>
           </a:xfrm>
           <a:prstGeom prst="rect">
             <a:avLst/>
@@ -8173,7 +8886,15 @@
           <a:p>
             <a:r>
               <a:rPr lang="fr-FR" dirty="0" smtClean="0"/>
-              <a:t>des fonctions</a:t>
+              <a:t>des fonctions (2 </a:t>
+            </a:r>
+            <a:r>
+              <a:rPr lang="fr-FR" dirty="0" err="1" smtClean="0"/>
+              <a:t>sm</a:t>
+            </a:r>
+            <a:r>
+              <a:rPr lang="fr-FR" dirty="0" smtClean="0"/>
+              <a:t>)</a:t>
             </a:r>
             <a:endParaRPr lang="fr-FR" dirty="0"/>
           </a:p>
@@ -8181,14 +8902,14 @@
       </p:sp>
       <p:sp>
         <p:nvSpPr>
-          <p:cNvPr id="48" name="ZoneTexte 47"/>
+          <p:cNvPr id="165" name="ZoneTexte 164"/>
           <p:cNvSpPr txBox="1"/>
           <p:nvPr/>
         </p:nvSpPr>
         <p:spPr>
           <a:xfrm>
-            <a:off x="6395154" y="1866525"/>
-            <a:ext cx="2025491" cy="369332"/>
+            <a:off x="6526509" y="1588277"/>
+            <a:ext cx="3177473" cy="369332"/>
           </a:xfrm>
           <a:prstGeom prst="rect">
             <a:avLst/>
@@ -8203,7 +8924,15 @@
           <a:p>
             <a:r>
               <a:rPr lang="fr-FR" dirty="0" smtClean="0"/>
-              <a:t>Interface graphique</a:t>
+              <a:t>Interface graphique (5 </a:t>
+            </a:r>
+            <a:r>
+              <a:rPr lang="fr-FR" dirty="0" err="1" smtClean="0"/>
+              <a:t>sm</a:t>
+            </a:r>
+            <a:r>
+              <a:rPr lang="fr-FR" dirty="0" smtClean="0"/>
+              <a:t>)</a:t>
             </a:r>
             <a:endParaRPr lang="fr-FR" dirty="0"/>
           </a:p>
@@ -8211,14 +8940,14 @@
       </p:sp>
       <p:sp>
         <p:nvSpPr>
-          <p:cNvPr id="49" name="ZoneTexte 48"/>
+          <p:cNvPr id="166" name="ZoneTexte 165"/>
           <p:cNvSpPr txBox="1"/>
           <p:nvPr/>
         </p:nvSpPr>
         <p:spPr>
           <a:xfrm>
-            <a:off x="6692989" y="2547356"/>
-            <a:ext cx="1536703" cy="369332"/>
+            <a:off x="6872758" y="2167427"/>
+            <a:ext cx="2484976" cy="369332"/>
           </a:xfrm>
           <a:prstGeom prst="rect">
             <a:avLst/>
@@ -8233,7 +8962,15 @@
           <a:p>
             <a:r>
               <a:rPr lang="fr-FR" dirty="0" smtClean="0"/>
-              <a:t>Moteur du jeu</a:t>
+              <a:t>Moteur du jeu (6 </a:t>
+            </a:r>
+            <a:r>
+              <a:rPr lang="fr-FR" dirty="0" err="1" smtClean="0"/>
+              <a:t>sm</a:t>
+            </a:r>
+            <a:r>
+              <a:rPr lang="fr-FR" dirty="0" smtClean="0"/>
+              <a:t>)</a:t>
             </a:r>
             <a:endParaRPr lang="fr-FR" dirty="0"/>
           </a:p>
@@ -8241,14 +8978,14 @@
       </p:sp>
       <p:sp>
         <p:nvSpPr>
-          <p:cNvPr id="50" name="ZoneTexte 49"/>
+          <p:cNvPr id="167" name="ZoneTexte 166"/>
           <p:cNvSpPr txBox="1"/>
           <p:nvPr/>
         </p:nvSpPr>
         <p:spPr>
           <a:xfrm>
-            <a:off x="6395154" y="3189226"/>
-            <a:ext cx="2341538" cy="369332"/>
+            <a:off x="6461848" y="3460170"/>
+            <a:ext cx="3350597" cy="369332"/>
           </a:xfrm>
           <a:prstGeom prst="rect">
             <a:avLst/>
@@ -8263,22 +9000,29 @@
           <a:p>
             <a:r>
               <a:rPr lang="fr-FR" dirty="0" smtClean="0"/>
-              <a:t>Intelligence artificielle</a:t>
-            </a:r>
-            <a:endParaRPr lang="fr-FR" dirty="0"/>
-          </a:p>
-        </p:txBody>
-      </p:sp>
-      <p:sp>
-        <p:nvSpPr>
-          <p:cNvPr id="51" name="ZoneTexte 50"/>
+              <a:t>Intelligence artificielle (6 </a:t>
+            </a:r>
+            <a:r>
+              <a:rPr lang="fr-FR" dirty="0" err="1" smtClean="0"/>
+              <a:t>sm</a:t>
+            </a:r>
+            <a:r>
+              <a:rPr lang="fr-FR" dirty="0"/>
+              <a:t>)</a:t>
+            </a:r>
+          </a:p>
+        </p:txBody>
+      </p:sp>
+      <p:sp>
+        <p:nvSpPr>
+          <p:cNvPr id="168" name="ZoneTexte 167"/>
           <p:cNvSpPr txBox="1"/>
           <p:nvPr/>
         </p:nvSpPr>
         <p:spPr>
           <a:xfrm>
-            <a:off x="2273541" y="4432021"/>
-            <a:ext cx="6738297" cy="369332"/>
+            <a:off x="2825991" y="4242589"/>
+            <a:ext cx="7417077" cy="369332"/>
           </a:xfrm>
           <a:prstGeom prst="rect">
             <a:avLst/>
@@ -8293,7 +9037,15 @@
           <a:p>
             <a:r>
               <a:rPr lang="fr-FR" dirty="0" smtClean="0"/>
-              <a:t>Mise en commun &amp; création d’un prototype fonctionnel</a:t>
+              <a:t>Mise en commun &amp; création d’un prototype fonctionnel (3 </a:t>
+            </a:r>
+            <a:r>
+              <a:rPr lang="fr-FR" dirty="0" err="1" smtClean="0"/>
+              <a:t>sm</a:t>
+            </a:r>
+            <a:r>
+              <a:rPr lang="fr-FR" dirty="0" smtClean="0"/>
+              <a:t>)</a:t>
             </a:r>
             <a:endParaRPr lang="fr-FR" dirty="0"/>
           </a:p>
@@ -8301,14 +9053,14 @@
       </p:sp>
       <p:sp>
         <p:nvSpPr>
-          <p:cNvPr id="52" name="ZoneTexte 51"/>
+          <p:cNvPr id="169" name="ZoneTexte 168"/>
           <p:cNvSpPr txBox="1"/>
           <p:nvPr/>
         </p:nvSpPr>
         <p:spPr>
           <a:xfrm>
-            <a:off x="2001042" y="5969644"/>
-            <a:ext cx="1396601" cy="646331"/>
+            <a:off x="2553492" y="5780212"/>
+            <a:ext cx="2326278" cy="646331"/>
           </a:xfrm>
           <a:prstGeom prst="rect">
             <a:avLst/>
@@ -8329,20 +9081,28 @@
           <a:p>
             <a:r>
               <a:rPr lang="fr-FR" dirty="0" smtClean="0"/>
-              <a:t>Optimisation</a:t>
-            </a:r>
-          </a:p>
-        </p:txBody>
-      </p:sp>
-      <p:sp>
-        <p:nvSpPr>
-          <p:cNvPr id="53" name="ZoneTexte 52"/>
+              <a:t>Optimisation (3 </a:t>
+            </a:r>
+            <a:r>
+              <a:rPr lang="fr-FR" dirty="0" err="1" smtClean="0"/>
+              <a:t>sm</a:t>
+            </a:r>
+            <a:r>
+              <a:rPr lang="fr-FR" dirty="0" smtClean="0"/>
+              <a:t>)</a:t>
+            </a:r>
+          </a:p>
+        </p:txBody>
+      </p:sp>
+      <p:sp>
+        <p:nvSpPr>
+          <p:cNvPr id="170" name="ZoneTexte 169"/>
           <p:cNvSpPr txBox="1"/>
           <p:nvPr/>
         </p:nvSpPr>
         <p:spPr>
           <a:xfrm>
-            <a:off x="465071" y="2953932"/>
+            <a:off x="1017521" y="2764500"/>
             <a:ext cx="826395" cy="369332"/>
           </a:xfrm>
           <a:prstGeom prst="rect">
@@ -8366,13 +9126,13 @@
       </p:sp>
       <p:sp>
         <p:nvSpPr>
-          <p:cNvPr id="54" name="Rectangle 53"/>
+          <p:cNvPr id="171" name="Rectangle 170"/>
           <p:cNvSpPr/>
           <p:nvPr/>
         </p:nvSpPr>
         <p:spPr>
           <a:xfrm>
-            <a:off x="3773122" y="5852230"/>
+            <a:off x="4325572" y="5662798"/>
             <a:ext cx="758541" cy="369332"/>
           </a:xfrm>
           <a:prstGeom prst="rect">
@@ -8395,14 +9155,14 @@
       </p:sp>
       <p:sp>
         <p:nvSpPr>
-          <p:cNvPr id="55" name="Rectangle 54"/>
+          <p:cNvPr id="172" name="Rectangle 171"/>
           <p:cNvSpPr/>
           <p:nvPr/>
         </p:nvSpPr>
         <p:spPr>
           <a:xfrm>
-            <a:off x="1974915" y="1741822"/>
-            <a:ext cx="630301" cy="369332"/>
+            <a:off x="2527365" y="1552390"/>
+            <a:ext cx="659155" cy="369332"/>
           </a:xfrm>
           <a:prstGeom prst="rect">
             <a:avLst/>
@@ -8414,31 +9174,26 @@
           </a:bodyPr>
           <a:lstStyle/>
           <a:p>
-            <a:r>
-              <a:rPr lang="fr-FR" dirty="0"/>
+            <a:pPr marL="342900" indent="-342900">
+              <a:buAutoNum type="arabicPlain" startAt="4"/>
+            </a:pPr>
+            <a:r>
+              <a:rPr lang="fr-FR" dirty="0" smtClean="0"/>
               <a:t>4</a:t>
             </a:r>
-            <a:r>
-              <a:rPr lang="fr-FR" dirty="0" smtClean="0"/>
-              <a:t>   </a:t>
-            </a:r>
-            <a:r>
-              <a:rPr lang="fr-FR" dirty="0"/>
-              <a:t>5</a:t>
-            </a:r>
-          </a:p>
-        </p:txBody>
-      </p:sp>
-      <p:sp>
-        <p:nvSpPr>
-          <p:cNvPr id="56" name="Rectangle 55"/>
+          </a:p>
+        </p:txBody>
+      </p:sp>
+      <p:sp>
+        <p:nvSpPr>
+          <p:cNvPr id="173" name="Rectangle 172"/>
           <p:cNvSpPr/>
           <p:nvPr/>
         </p:nvSpPr>
         <p:spPr>
           <a:xfrm>
-            <a:off x="3344810" y="2932656"/>
-            <a:ext cx="630301" cy="369332"/>
+            <a:off x="3897260" y="2743224"/>
+            <a:ext cx="659155" cy="369332"/>
           </a:xfrm>
           <a:prstGeom prst="rect">
             <a:avLst/>
@@ -8450,30 +9205,25 @@
           </a:bodyPr>
           <a:lstStyle/>
           <a:p>
-            <a:r>
-              <a:rPr lang="fr-FR" dirty="0"/>
+            <a:pPr marL="342900" indent="-342900">
+              <a:buAutoNum type="arabicPlain" startAt="8"/>
+            </a:pPr>
+            <a:r>
+              <a:rPr lang="fr-FR" dirty="0" smtClean="0"/>
               <a:t>8</a:t>
             </a:r>
-            <a:r>
-              <a:rPr lang="fr-FR" dirty="0" smtClean="0"/>
-              <a:t>    </a:t>
-            </a:r>
-            <a:r>
-              <a:rPr lang="fr-FR" dirty="0"/>
-              <a:t>9</a:t>
-            </a:r>
-          </a:p>
-        </p:txBody>
-      </p:sp>
-      <p:sp>
-        <p:nvSpPr>
-          <p:cNvPr id="57" name="Rectangle 56"/>
+          </a:p>
+        </p:txBody>
+      </p:sp>
+      <p:sp>
+        <p:nvSpPr>
+          <p:cNvPr id="174" name="Rectangle 173"/>
           <p:cNvSpPr/>
           <p:nvPr/>
         </p:nvSpPr>
         <p:spPr>
           <a:xfrm>
-            <a:off x="5664915" y="2887388"/>
+            <a:off x="6217365" y="2697956"/>
             <a:ext cx="825867" cy="369332"/>
           </a:xfrm>
           <a:prstGeom prst="rect">
@@ -8488,7 +9238,7 @@
           <a:p>
             <a:r>
               <a:rPr lang="fr-FR" dirty="0" smtClean="0"/>
-              <a:t>10  12</a:t>
+              <a:t>10  10</a:t>
             </a:r>
             <a:endParaRPr lang="fr-FR" dirty="0"/>
           </a:p>
@@ -8496,13 +9246,13 @@
       </p:sp>
       <p:sp>
         <p:nvSpPr>
-          <p:cNvPr id="58" name="Rectangle 57"/>
+          <p:cNvPr id="175" name="Rectangle 174"/>
           <p:cNvSpPr/>
           <p:nvPr/>
         </p:nvSpPr>
         <p:spPr>
           <a:xfrm>
-            <a:off x="8591925" y="2905024"/>
+            <a:off x="9144375" y="2715592"/>
             <a:ext cx="825867" cy="369332"/>
           </a:xfrm>
           <a:prstGeom prst="rect">
@@ -8525,14 +9275,14 @@
       </p:sp>
       <p:sp>
         <p:nvSpPr>
-          <p:cNvPr id="59" name="Rectangle 58"/>
+          <p:cNvPr id="176" name="Rectangle 175"/>
           <p:cNvSpPr/>
           <p:nvPr/>
         </p:nvSpPr>
         <p:spPr>
           <a:xfrm>
-            <a:off x="1233898" y="5861026"/>
-            <a:ext cx="764953" cy="646331"/>
+            <a:off x="1786348" y="5671594"/>
+            <a:ext cx="825867" cy="369332"/>
           </a:xfrm>
           <a:prstGeom prst="rect">
             <a:avLst/>
@@ -8544,28 +9294,23 @@
           </a:bodyPr>
           <a:lstStyle/>
           <a:p>
-            <a:pPr marL="342900" indent="-342900">
-              <a:buAutoNum type="arabicPlain" startAt="18"/>
-            </a:pPr>
-            <a:r>
-              <a:rPr lang="fr-FR" dirty="0" smtClean="0"/>
-              <a:t>18</a:t>
-            </a:r>
-          </a:p>
-          <a:p>
+            <a:r>
+              <a:rPr lang="fr-FR" dirty="0" smtClean="0"/>
+              <a:t>19  19</a:t>
+            </a:r>
             <a:endParaRPr lang="fr-FR" dirty="0"/>
           </a:p>
         </p:txBody>
       </p:sp>
       <p:sp>
         <p:nvSpPr>
-          <p:cNvPr id="97" name="ZoneTexte 96"/>
+          <p:cNvPr id="177" name="ZoneTexte 176"/>
           <p:cNvSpPr txBox="1"/>
           <p:nvPr/>
         </p:nvSpPr>
         <p:spPr>
           <a:xfrm>
-            <a:off x="8147222" y="5861026"/>
+            <a:off x="8699672" y="5671594"/>
             <a:ext cx="2375971" cy="369332"/>
           </a:xfrm>
           <a:prstGeom prst="rect">
@@ -8624,103 +9369,9 @@
           <a:chExt cx="0" cy="0"/>
         </a:xfrm>
       </p:grpSpPr>
-      <p:sp>
-        <p:nvSpPr>
-          <p:cNvPr id="2" name="Titre 1"/>
-          <p:cNvSpPr>
-            <a:spLocks noGrp="1"/>
-          </p:cNvSpPr>
-          <p:nvPr>
-            <p:ph type="title"/>
-          </p:nvPr>
-        </p:nvSpPr>
-        <p:spPr/>
-        <p:txBody>
-          <a:bodyPr/>
-          <a:lstStyle/>
-          <a:p>
-            <a:r>
-              <a:rPr lang="fr-FR" dirty="0" smtClean="0"/>
-              <a:t>GANTT</a:t>
-            </a:r>
-            <a:endParaRPr lang="fr-FR" dirty="0"/>
-          </a:p>
-        </p:txBody>
-      </p:sp>
-      <p:sp>
-        <p:nvSpPr>
-          <p:cNvPr id="4" name="Espace réservé de la date 3"/>
-          <p:cNvSpPr>
-            <a:spLocks noGrp="1"/>
-          </p:cNvSpPr>
-          <p:nvPr>
-            <p:ph type="dt" sz="half" idx="10"/>
-          </p:nvPr>
-        </p:nvSpPr>
-        <p:spPr/>
-        <p:txBody>
-          <a:bodyPr/>
-          <a:lstStyle/>
-          <a:p>
-            <a:r>
-              <a:rPr lang="fr-FR" smtClean="0"/>
-              <a:t>07/01/2015</a:t>
-            </a:r>
-            <a:endParaRPr lang="fr-FR"/>
-          </a:p>
-        </p:txBody>
-      </p:sp>
-      <p:sp>
-        <p:nvSpPr>
-          <p:cNvPr id="5" name="Espace réservé du pied de page 4"/>
-          <p:cNvSpPr>
-            <a:spLocks noGrp="1"/>
-          </p:cNvSpPr>
-          <p:nvPr>
-            <p:ph type="ftr" sz="quarter" idx="11"/>
-          </p:nvPr>
-        </p:nvSpPr>
-        <p:spPr/>
-        <p:txBody>
-          <a:bodyPr/>
-          <a:lstStyle/>
-          <a:p>
-            <a:r>
-              <a:rPr lang="fr-FR" smtClean="0"/>
-              <a:t>Jeu de Quarto</a:t>
-            </a:r>
-            <a:endParaRPr lang="fr-FR"/>
-          </a:p>
-        </p:txBody>
-      </p:sp>
-      <p:sp>
-        <p:nvSpPr>
-          <p:cNvPr id="6" name="Espace réservé du numéro de diapositive 5"/>
-          <p:cNvSpPr>
-            <a:spLocks noGrp="1"/>
-          </p:cNvSpPr>
-          <p:nvPr>
-            <p:ph type="sldNum" sz="quarter" idx="12"/>
-          </p:nvPr>
-        </p:nvSpPr>
-        <p:spPr/>
-        <p:txBody>
-          <a:bodyPr>
-            <a:normAutofit/>
-          </a:bodyPr>
-          <a:lstStyle/>
-          <a:p>
-            <a:fld id="{C2A51A7B-750C-4F70-8C54-D8A3C546085B}" type="slidenum">
-              <a:rPr lang="fr-FR" smtClean="0"/>
-              <a:t>8</a:t>
-            </a:fld>
-            <a:endParaRPr lang="fr-FR"/>
-          </a:p>
-        </p:txBody>
-      </p:sp>
       <p:pic>
         <p:nvPicPr>
-          <p:cNvPr id="7" name="Image 6"/>
+          <p:cNvPr id="3" name="Image 2"/>
           <p:cNvPicPr>
             <a:picLocks noChangeAspect="1"/>
           </p:cNvPicPr>
@@ -8740,14 +9391,37 @@
         </p:blipFill>
         <p:spPr>
           <a:xfrm>
-            <a:off x="67941" y="3040831"/>
-            <a:ext cx="12016968" cy="3609903"/>
+            <a:off x="0" y="3161338"/>
+            <a:ext cx="12192000" cy="3715737"/>
           </a:xfrm>
           <a:prstGeom prst="rect">
             <a:avLst/>
           </a:prstGeom>
         </p:spPr>
       </p:pic>
+      <p:sp>
+        <p:nvSpPr>
+          <p:cNvPr id="2" name="Titre 1"/>
+          <p:cNvSpPr>
+            <a:spLocks noGrp="1"/>
+          </p:cNvSpPr>
+          <p:nvPr>
+            <p:ph type="title"/>
+          </p:nvPr>
+        </p:nvSpPr>
+        <p:spPr/>
+        <p:txBody>
+          <a:bodyPr/>
+          <a:lstStyle/>
+          <a:p>
+            <a:r>
+              <a:rPr lang="fr-FR" dirty="0" smtClean="0"/>
+              <a:t>GANTT</a:t>
+            </a:r>
+            <a:endParaRPr lang="fr-FR" dirty="0"/>
+          </a:p>
+        </p:txBody>
+      </p:sp>
       <p:cxnSp>
         <p:nvCxnSpPr>
           <p:cNvPr id="9" name="Connecteur droit 8"/>
@@ -8756,7 +9430,7 @@
         </p:nvCxnSpPr>
         <p:spPr>
           <a:xfrm>
-            <a:off x="3987114" y="2339546"/>
+            <a:off x="3824152" y="2578764"/>
             <a:ext cx="0" cy="4320000"/>
           </a:xfrm>
           <a:prstGeom prst="line">
@@ -8791,7 +9465,7 @@
         </p:nvCxnSpPr>
         <p:spPr>
           <a:xfrm>
-            <a:off x="6874476" y="2330734"/>
+            <a:off x="6620979" y="2557075"/>
             <a:ext cx="0" cy="4320000"/>
           </a:xfrm>
           <a:prstGeom prst="line">
@@ -8826,7 +9500,7 @@
         </p:nvCxnSpPr>
         <p:spPr>
           <a:xfrm>
-            <a:off x="9716530" y="2330734"/>
+            <a:off x="10098263" y="2538000"/>
             <a:ext cx="0" cy="4320000"/>
           </a:xfrm>
           <a:prstGeom prst="line">
@@ -8897,7 +9571,7 @@
         <p:spPr>
           <a:xfrm>
             <a:off x="2353589" y="1943100"/>
-            <a:ext cx="9980617" cy="338554"/>
+            <a:ext cx="10161756" cy="338554"/>
           </a:xfrm>
           <a:prstGeom prst="rect">
             <a:avLst/>
@@ -8920,7 +9594,7 @@
             </a:r>
             <a:r>
               <a:rPr lang="fr-FR" sz="1600" dirty="0" smtClean="0"/>
-              <a:t> revue de projet                     2</a:t>
+              <a:t> revue de projet                   2</a:t>
             </a:r>
             <a:r>
               <a:rPr lang="fr-FR" sz="1600" baseline="30000" dirty="0" smtClean="0"/>
@@ -8936,7 +9610,7 @@
             </a:r>
             <a:r>
               <a:rPr lang="fr-FR" sz="1600" dirty="0" smtClean="0"/>
-              <a:t> revue de projet         Soutenance</a:t>
+              <a:t> revue de projet          Soutenance</a:t>
             </a:r>
             <a:endParaRPr lang="fr-FR" sz="1600" dirty="0"/>
           </a:p>
@@ -8945,7 +9619,7 @@
     </p:spTree>
     <p:extLst>
       <p:ext uri="{BB962C8B-B14F-4D97-AF65-F5344CB8AC3E}">
-        <p14:creationId xmlns:p14="http://schemas.microsoft.com/office/powerpoint/2010/main" val="3000249252"/>
+        <p14:creationId xmlns:p14="http://schemas.microsoft.com/office/powerpoint/2010/main" val="1024205269"/>
       </p:ext>
     </p:extLst>
   </p:cSld>
@@ -8996,18 +9670,7 @@
           <a:p>
             <a:r>
               <a:rPr lang="fr-FR" dirty="0" smtClean="0"/>
-              <a:t>Ce qui a déjà été fait</a:t>
-            </a:r>
-            <a:br>
-              <a:rPr lang="fr-FR" dirty="0" smtClean="0"/>
-            </a:br>
-            <a:r>
-              <a:rPr lang="fr-FR" sz="2800" dirty="0"/>
-              <a:t>	</a:t>
-            </a:r>
-            <a:r>
-              <a:rPr lang="fr-FR" sz="2800" dirty="0" smtClean="0"/>
-              <a:t>Première phase du projet</a:t>
+              <a:t>GANTT des ressources</a:t>
             </a:r>
             <a:endParaRPr lang="fr-FR" dirty="0"/>
           </a:p>
@@ -9015,203 +9678,67 @@
       </p:sp>
       <p:sp>
         <p:nvSpPr>
-          <p:cNvPr id="3" name="Espace réservé du contenu 2"/>
-          <p:cNvSpPr>
-            <a:spLocks noGrp="1"/>
-          </p:cNvSpPr>
-          <p:nvPr>
-            <p:ph idx="1"/>
+          <p:cNvPr id="5" name="Espace réservé du pied de page 4"/>
+          <p:cNvSpPr>
+            <a:spLocks noGrp="1"/>
+          </p:cNvSpPr>
+          <p:nvPr>
+            <p:ph type="ftr" sz="quarter" idx="11"/>
           </p:nvPr>
         </p:nvSpPr>
         <p:spPr/>
         <p:txBody>
-          <a:bodyPr>
-            <a:normAutofit fontScale="92500" lnSpcReduction="10000"/>
-          </a:bodyPr>
-          <a:lstStyle/>
-          <a:p>
-            <a:r>
-              <a:rPr lang="fr-FR" dirty="0" smtClean="0"/>
-              <a:t>Apprentissage du Java </a:t>
-            </a:r>
-          </a:p>
-          <a:p>
-            <a:pPr lvl="1"/>
-            <a:r>
-              <a:rPr lang="fr-FR" dirty="0" smtClean="0"/>
-              <a:t>Choix </a:t>
-            </a:r>
-            <a:r>
-              <a:rPr lang="fr-FR" dirty="0" smtClean="0"/>
-              <a:t>d’un environnement de développement</a:t>
-            </a:r>
-          </a:p>
-          <a:p>
-            <a:pPr lvl="1"/>
-            <a:r>
-              <a:rPr lang="fr-FR" dirty="0"/>
-              <a:t>(10% du projet) </a:t>
-            </a:r>
-          </a:p>
-          <a:p>
-            <a:pPr marL="457200" lvl="1" indent="0">
-              <a:buNone/>
-            </a:pPr>
-            <a:endParaRPr lang="fr-FR" dirty="0" smtClean="0"/>
-          </a:p>
-          <a:p>
-            <a:r>
-              <a:rPr lang="fr-FR" dirty="0" smtClean="0"/>
-              <a:t>Prise en main du Java en modifiant un jeu existant (jeu de dame)</a:t>
-            </a:r>
-          </a:p>
-          <a:p>
-            <a:pPr lvl="1"/>
-            <a:r>
-              <a:rPr lang="fr-FR" dirty="0" smtClean="0"/>
-              <a:t>Modification graphique, création d’une IA de base</a:t>
-            </a:r>
-          </a:p>
-          <a:p>
-            <a:pPr lvl="1"/>
-            <a:r>
-              <a:rPr lang="fr-FR" dirty="0"/>
-              <a:t>(10% du projet) </a:t>
-            </a:r>
-            <a:endParaRPr lang="fr-FR" dirty="0" smtClean="0"/>
-          </a:p>
-          <a:p>
-            <a:pPr lvl="1"/>
+          <a:bodyPr/>
+          <a:lstStyle/>
+          <a:p>
+            <a:r>
+              <a:rPr lang="fr-FR" dirty="0" smtClean="0"/>
+              <a:t>Jeu de Quarto</a:t>
+            </a:r>
             <a:endParaRPr lang="fr-FR" dirty="0"/>
           </a:p>
-          <a:p>
-            <a:r>
-              <a:rPr lang="fr-FR" dirty="0" smtClean="0"/>
-              <a:t>Prise en main du jeu de Quarto</a:t>
-            </a:r>
-          </a:p>
-          <a:p>
-            <a:pPr lvl="1"/>
-            <a:r>
-              <a:rPr lang="fr-FR" dirty="0" smtClean="0"/>
-              <a:t>Mécaniques principales</a:t>
-            </a:r>
-          </a:p>
-          <a:p>
-            <a:pPr lvl="1"/>
-            <a:r>
-              <a:rPr lang="fr-FR" dirty="0" smtClean="0"/>
-              <a:t>Stratégies gagnantes</a:t>
-            </a:r>
-          </a:p>
-          <a:p>
-            <a:pPr lvl="1"/>
-            <a:r>
-              <a:rPr lang="fr-FR" dirty="0"/>
-              <a:t>(10% du projet) </a:t>
-            </a:r>
-          </a:p>
-          <a:p>
-            <a:pPr lvl="1"/>
-            <a:endParaRPr lang="fr-FR" dirty="0" smtClean="0"/>
-          </a:p>
-          <a:p>
-            <a:pPr lvl="1"/>
-            <a:endParaRPr lang="fr-FR" dirty="0" smtClean="0"/>
-          </a:p>
-          <a:p>
-            <a:endParaRPr lang="fr-FR" dirty="0"/>
-          </a:p>
-        </p:txBody>
-      </p:sp>
-      <p:sp>
-        <p:nvSpPr>
-          <p:cNvPr id="4" name="Espace réservé de la date 3"/>
-          <p:cNvSpPr>
-            <a:spLocks noGrp="1"/>
-          </p:cNvSpPr>
-          <p:nvPr>
-            <p:ph type="dt" sz="half" idx="10"/>
-          </p:nvPr>
-        </p:nvSpPr>
-        <p:spPr/>
-        <p:txBody>
-          <a:bodyPr/>
-          <a:lstStyle/>
-          <a:p>
-            <a:r>
-              <a:rPr lang="fr-FR" dirty="0" smtClean="0"/>
-              <a:t>07/01/2015</a:t>
-            </a:r>
-            <a:endParaRPr lang="fr-FR" dirty="0"/>
-          </a:p>
-        </p:txBody>
-      </p:sp>
-      <p:sp>
-        <p:nvSpPr>
-          <p:cNvPr id="5" name="Espace réservé du pied de page 4"/>
-          <p:cNvSpPr>
-            <a:spLocks noGrp="1"/>
-          </p:cNvSpPr>
-          <p:nvPr>
-            <p:ph type="ftr" sz="quarter" idx="11"/>
-          </p:nvPr>
-        </p:nvSpPr>
-        <p:spPr/>
-        <p:txBody>
-          <a:bodyPr/>
-          <a:lstStyle/>
-          <a:p>
-            <a:r>
-              <a:rPr lang="fr-FR" dirty="0" smtClean="0"/>
-              <a:t>Jeu de Quarto</a:t>
-            </a:r>
-            <a:endParaRPr lang="fr-FR" dirty="0"/>
-          </a:p>
-        </p:txBody>
-      </p:sp>
-      <p:sp>
-        <p:nvSpPr>
-          <p:cNvPr id="6" name="Espace réservé du numéro de diapositive 5"/>
-          <p:cNvSpPr>
-            <a:spLocks noGrp="1"/>
-          </p:cNvSpPr>
-          <p:nvPr>
-            <p:ph type="sldNum" sz="quarter" idx="12"/>
-          </p:nvPr>
-        </p:nvSpPr>
-        <p:spPr/>
-        <p:txBody>
-          <a:bodyPr>
-            <a:normAutofit/>
-          </a:bodyPr>
-          <a:lstStyle/>
-          <a:p>
-            <a:fld id="{C2A51A7B-750C-4F70-8C54-D8A3C546085B}" type="slidenum">
-              <a:rPr lang="fr-FR" smtClean="0"/>
-              <a:t>9</a:t>
-            </a:fld>
-            <a:endParaRPr lang="fr-FR" dirty="0"/>
-          </a:p>
-        </p:txBody>
-      </p:sp>
+        </p:txBody>
+      </p:sp>
+      <p:pic>
+        <p:nvPicPr>
+          <p:cNvPr id="7" name="Image 6"/>
+          <p:cNvPicPr>
+            <a:picLocks noChangeAspect="1"/>
+          </p:cNvPicPr>
+          <p:nvPr/>
+        </p:nvPicPr>
+        <p:blipFill>
+          <a:blip r:embed="rId2">
+            <a:extLst>
+              <a:ext uri="{28A0092B-C50C-407E-A947-70E740481C1C}">
+                <a14:useLocalDpi xmlns:a14="http://schemas.microsoft.com/office/drawing/2010/main" val="0"/>
+              </a:ext>
+            </a:extLst>
+          </a:blip>
+          <a:stretch>
+            <a:fillRect/>
+          </a:stretch>
+        </p:blipFill>
+        <p:spPr>
+          <a:xfrm>
+            <a:off x="969056" y="1354091"/>
+            <a:ext cx="8989755" cy="5374501"/>
+          </a:xfrm>
+          <a:prstGeom prst="rect">
+            <a:avLst/>
+          </a:prstGeom>
+        </p:spPr>
+      </p:pic>
     </p:spTree>
     <p:extLst>
       <p:ext uri="{BB962C8B-B14F-4D97-AF65-F5344CB8AC3E}">
-        <p14:creationId xmlns:p14="http://schemas.microsoft.com/office/powerpoint/2010/main" val="594575140"/>
+        <p14:creationId xmlns:p14="http://schemas.microsoft.com/office/powerpoint/2010/main" val="594384529"/>
       </p:ext>
     </p:extLst>
   </p:cSld>
   <p:clrMapOvr>
     <a:masterClrMapping/>
   </p:clrMapOvr>
-  <p:timing>
-    <p:tnLst>
-      <p:par>
-        <p:cTn id="1" dur="indefinite" restart="never" nodeType="tmRoot"/>
-      </p:par>
-    </p:tnLst>
-  </p:timing>
 </p:sld>
 </file>
 

--- a/Diapo-&-co/150224 P4 Info 1.pptx
+++ b/Diapo-&-co/150224 P4 Info 1.pptx
@@ -3543,11 +3543,7 @@
           <a:p>
             <a:r>
               <a:rPr lang="fr-FR" sz="2400" dirty="0" smtClean="0"/>
-              <a:t>24</a:t>
-            </a:r>
-            <a:r>
-              <a:rPr lang="fr-FR" sz="2400" dirty="0" smtClean="0"/>
-              <a:t>/02/2015</a:t>
+              <a:t>24/02/2015</a:t>
             </a:r>
             <a:endParaRPr lang="fr-FR" sz="2400" dirty="0"/>
           </a:p>
@@ -3654,8 +3650,12 @@
           <a:lstStyle/>
           <a:p>
             <a:r>
-              <a:rPr lang="fr-FR" dirty="0" smtClean="0"/>
+              <a:rPr lang="fr-FR" u="sng" dirty="0" smtClean="0"/>
               <a:t>Ce qui a déjà été fait</a:t>
+            </a:r>
+            <a:r>
+              <a:rPr lang="fr-FR" dirty="0" smtClean="0"/>
+              <a:t/>
             </a:r>
             <a:br>
               <a:rPr lang="fr-FR" dirty="0" smtClean="0"/>
@@ -3977,8 +3977,12 @@
           <a:lstStyle/>
           <a:p>
             <a:r>
-              <a:rPr lang="fr-FR" dirty="0" smtClean="0"/>
+              <a:rPr lang="fr-FR" u="sng" dirty="0" smtClean="0"/>
               <a:t>Ce qui a déjà été fait</a:t>
+            </a:r>
+            <a:r>
+              <a:rPr lang="fr-FR" dirty="0" smtClean="0"/>
+              <a:t/>
             </a:r>
             <a:br>
               <a:rPr lang="fr-FR" dirty="0" smtClean="0"/>
@@ -4031,15 +4035,7 @@
             </a:pPr>
             <a:r>
               <a:rPr lang="fr-FR" dirty="0" smtClean="0"/>
-              <a:t>Nous sommes partis du jeu de Dames, donné par M</a:t>
-            </a:r>
-            <a:r>
-              <a:rPr lang="fr-FR" dirty="0" smtClean="0"/>
-              <a:t>. Haddad </a:t>
-            </a:r>
-            <a:r>
-              <a:rPr lang="fr-FR" dirty="0" smtClean="0"/>
-              <a:t>et nous avons :</a:t>
+              <a:t>Nous sommes partis du jeu de Dames, donné par M. Haddad et nous avons :</a:t>
             </a:r>
           </a:p>
           <a:p>
@@ -4065,15 +4061,7 @@
             </a:pPr>
             <a:r>
               <a:rPr lang="fr-FR" dirty="0" smtClean="0"/>
-              <a:t>Implémenté </a:t>
-            </a:r>
-            <a:r>
-              <a:rPr lang="fr-FR" dirty="0" smtClean="0"/>
-              <a:t>de nouvelles fonctionnalités (manger plusieurs pions à la suites, en arrière</a:t>
-            </a:r>
-            <a:r>
-              <a:rPr lang="fr-FR" dirty="0" smtClean="0"/>
-              <a:t>…)</a:t>
+              <a:t>Implémenté de nouvelles fonctionnalités (manger plusieurs pions à la suites, en arrière…)</a:t>
             </a:r>
           </a:p>
           <a:p>
@@ -4088,7 +4076,6 @@
               <a:rPr lang="fr-FR" dirty="0" smtClean="0"/>
               <a:t>Créé une IA basique (manger un pion si possible, sinon déplacement aléatoire)</a:t>
             </a:r>
-            <a:endParaRPr lang="fr-FR" dirty="0" smtClean="0"/>
           </a:p>
           <a:p>
             <a:pPr marL="457200" lvl="1" indent="0">
@@ -4223,8 +4210,12 @@
           <a:lstStyle/>
           <a:p>
             <a:r>
-              <a:rPr lang="fr-FR" dirty="0" smtClean="0"/>
+              <a:rPr lang="fr-FR" u="sng" dirty="0" smtClean="0"/>
               <a:t>Ce qu’il reste à faire</a:t>
+            </a:r>
+            <a:r>
+              <a:rPr lang="fr-FR" dirty="0" smtClean="0"/>
+              <a:t/>
             </a:r>
             <a:br>
               <a:rPr lang="fr-FR" dirty="0" smtClean="0"/>
@@ -4781,7 +4772,15 @@
             <a:pPr lvl="1"/>
             <a:r>
               <a:rPr lang="fr-FR" dirty="0" smtClean="0"/>
-              <a:t>Avec le responsable du projet (Mr HADDAD) : par mail</a:t>
+              <a:t>Avec le responsable du projet (</a:t>
+            </a:r>
+            <a:r>
+              <a:rPr lang="fr-FR" dirty="0" smtClean="0"/>
+              <a:t>M. </a:t>
+            </a:r>
+            <a:r>
+              <a:rPr lang="fr-FR" dirty="0" smtClean="0"/>
+              <a:t>HADDAD) : par mail</a:t>
             </a:r>
           </a:p>
           <a:p>
@@ -4967,21 +4966,13 @@
           <a:p>
             <a:r>
               <a:rPr lang="fr-FR" dirty="0" smtClean="0"/>
-              <a:t>Le jeu de Quarto </a:t>
-            </a:r>
-            <a:r>
-              <a:rPr lang="fr-FR" dirty="0" smtClean="0"/>
-              <a:t>hébergé </a:t>
-            </a:r>
-            <a:r>
-              <a:rPr lang="fr-FR" dirty="0" smtClean="0"/>
-              <a:t>à quarto.freehostia.com qui nous permet de comprendre et prendre en main le jeu.</a:t>
-            </a:r>
-          </a:p>
-          <a:p>
-            <a:r>
-              <a:rPr lang="fr-FR" dirty="0" err="1" smtClean="0"/>
-              <a:t>Mr.Haddad</a:t>
+              <a:t>Le jeu de Quarto hébergé à quarto.freehostia.com qui nous permet de comprendre et prendre en main le jeu.</a:t>
+            </a:r>
+          </a:p>
+          <a:p>
+            <a:r>
+              <a:rPr lang="fr-FR" dirty="0" smtClean="0"/>
+              <a:t>M. Haddad</a:t>
             </a:r>
             <a:r>
               <a:rPr lang="fr-FR" dirty="0" smtClean="0"/>
@@ -5729,13 +5720,7 @@
               <a:rPr lang="fr-FR" sz="2200" dirty="0" smtClean="0">
                 <a:latin typeface="+mn-lt"/>
               </a:rPr>
-              <a:t>Création </a:t>
-            </a:r>
-            <a:r>
-              <a:rPr lang="fr-FR" sz="2200" dirty="0" smtClean="0">
-                <a:latin typeface="+mn-lt"/>
-              </a:rPr>
-              <a:t>d’une Intelligence Artificielle contre laquelle  un utilisateur pourra jouer. (Cette dernière sera pourvu de plusieurs niveaux)</a:t>
+              <a:t>Création d’une Intelligence Artificielle contre laquelle  un utilisateur pourra jouer. (Cette dernière sera pourvu de plusieurs niveaux)</a:t>
             </a:r>
             <a:endParaRPr lang="fr-FR" sz="2200" dirty="0">
               <a:latin typeface="+mn-lt"/>
@@ -7027,8 +7012,13 @@
           <a:p>
             <a:r>
               <a:rPr lang="fr-FR" dirty="0" smtClean="0"/>
-              <a:t>Choix de l’environnement de développement : Eclipse</a:t>
-            </a:r>
+              <a:t>Choix de l’environnement de développement : </a:t>
+            </a:r>
+            <a:r>
+              <a:rPr lang="fr-FR" dirty="0" err="1" smtClean="0"/>
+              <a:t>NetBeans</a:t>
+            </a:r>
+            <a:endParaRPr lang="fr-FR" dirty="0" smtClean="0"/>
           </a:p>
           <a:p>
             <a:endParaRPr lang="fr-FR" dirty="0" smtClean="0"/>
@@ -7171,43 +7161,26 @@
       </p:pic>
       <p:pic>
         <p:nvPicPr>
-          <p:cNvPr id="1030" name="Picture 6" descr="Fichier:Eclipse Logo.svg"/>
+          <p:cNvPr id="7" name="Image 6"/>
           <p:cNvPicPr>
-            <a:picLocks noChangeAspect="1" noChangeArrowheads="1"/>
+            <a:picLocks noChangeAspect="1"/>
           </p:cNvPicPr>
           <p:nvPr/>
         </p:nvPicPr>
         <p:blipFill>
-          <a:blip r:embed="rId3">
-            <a:extLst>
-              <a:ext uri="{28A0092B-C50C-407E-A947-70E740481C1C}">
-                <a14:useLocalDpi xmlns:a14="http://schemas.microsoft.com/office/drawing/2010/main" val="0"/>
-              </a:ext>
-            </a:extLst>
-          </a:blip>
-          <a:srcRect/>
+          <a:blip r:embed="rId3"/>
           <a:stretch>
             <a:fillRect/>
           </a:stretch>
         </p:blipFill>
-        <p:spPr bwMode="auto">
+        <p:spPr>
           <a:xfrm>
-            <a:off x="7166919" y="3280766"/>
-            <a:ext cx="3677680" cy="860734"/>
+            <a:off x="8496300" y="3149578"/>
+            <a:ext cx="2857500" cy="1571625"/>
           </a:xfrm>
           <a:prstGeom prst="rect">
             <a:avLst/>
           </a:prstGeom>
-          <a:noFill/>
-          <a:extLst>
-            <a:ext uri="{909E8E84-426E-40DD-AFC4-6F175D3DCCD1}">
-              <a14:hiddenFill xmlns:a14="http://schemas.microsoft.com/office/drawing/2010/main">
-                <a:solidFill>
-                  <a:srgbClr val="FFFFFF"/>
-                </a:solidFill>
-              </a14:hiddenFill>
-            </a:ext>
-          </a:extLst>
         </p:spPr>
       </p:pic>
     </p:spTree>

--- a/Diapo-&-co/150224 P4 Info 1.pptx
+++ b/Diapo-&-co/150224 P4 Info 1.pptx
@@ -211,7 +211,7 @@
           <a:p>
             <a:fld id="{2004CD88-CD6D-4792-97CD-583CDB307CD5}" type="datetimeFigureOut">
               <a:rPr lang="fr-FR" smtClean="0"/>
-              <a:t>20/02/2015</a:t>
+              <a:t>21/02/2015</a:t>
             </a:fld>
             <a:endParaRPr lang="fr-FR"/>
           </a:p>
@@ -4772,15 +4772,7 @@
             <a:pPr lvl="1"/>
             <a:r>
               <a:rPr lang="fr-FR" dirty="0" smtClean="0"/>
-              <a:t>Avec le responsable du projet (</a:t>
-            </a:r>
-            <a:r>
-              <a:rPr lang="fr-FR" dirty="0" smtClean="0"/>
-              <a:t>M. </a:t>
-            </a:r>
-            <a:r>
-              <a:rPr lang="fr-FR" dirty="0" smtClean="0"/>
-              <a:t>HADDAD) : par mail</a:t>
+              <a:t>Avec le responsable du projet (M. HADDAD) : par mail</a:t>
             </a:r>
           </a:p>
           <a:p>
@@ -4972,11 +4964,7 @@
           <a:p>
             <a:r>
               <a:rPr lang="fr-FR" dirty="0" smtClean="0"/>
-              <a:t>M. Haddad</a:t>
-            </a:r>
-            <a:r>
-              <a:rPr lang="fr-FR" dirty="0" smtClean="0"/>
-              <a:t>, pour ce projet et les conseils fournis.</a:t>
+              <a:t>M. Haddad, pour ce projet et les conseils fournis.</a:t>
             </a:r>
             <a:endParaRPr lang="fr-FR" dirty="0"/>
           </a:p>
@@ -8363,6 +8351,9 @@
             <a:avLst/>
           </a:prstGeom>
           <a:ln w="50800">
+            <a:solidFill>
+              <a:srgbClr val="C00000"/>
+            </a:solidFill>
             <a:tailEnd type="triangle"/>
           </a:ln>
         </p:spPr>
@@ -8399,6 +8390,9 @@
             <a:avLst/>
           </a:prstGeom>
           <a:ln>
+            <a:solidFill>
+              <a:schemeClr val="tx1"/>
+            </a:solidFill>
             <a:tailEnd type="triangle"/>
           </a:ln>
         </p:spPr>
@@ -8435,6 +8429,9 @@
             <a:avLst/>
           </a:prstGeom>
           <a:ln w="50800">
+            <a:solidFill>
+              <a:srgbClr val="C00000"/>
+            </a:solidFill>
             <a:tailEnd type="triangle"/>
           </a:ln>
         </p:spPr>
@@ -8471,6 +8468,9 @@
             <a:avLst/>
           </a:prstGeom>
           <a:ln w="50800">
+            <a:solidFill>
+              <a:srgbClr val="C00000"/>
+            </a:solidFill>
             <a:tailEnd type="triangle"/>
           </a:ln>
         </p:spPr>
@@ -8509,6 +8509,9 @@
             </a:avLst>
           </a:prstGeom>
           <a:ln>
+            <a:solidFill>
+              <a:schemeClr val="tx1"/>
+            </a:solidFill>
             <a:tailEnd type="triangle"/>
           </a:ln>
         </p:spPr>
@@ -8547,6 +8550,9 @@
             </a:avLst>
           </a:prstGeom>
           <a:ln w="50800">
+            <a:solidFill>
+              <a:srgbClr val="C00000"/>
+            </a:solidFill>
             <a:tailEnd type="triangle"/>
           </a:ln>
         </p:spPr>
@@ -8583,6 +8589,9 @@
             <a:avLst/>
           </a:prstGeom>
           <a:ln w="50800">
+            <a:solidFill>
+              <a:srgbClr val="C00000"/>
+            </a:solidFill>
             <a:tailEnd type="triangle"/>
           </a:ln>
         </p:spPr>
@@ -8623,6 +8632,9 @@
             </a:avLst>
           </a:prstGeom>
           <a:ln w="50800">
+            <a:solidFill>
+              <a:srgbClr val="C00000"/>
+            </a:solidFill>
             <a:tailEnd type="triangle"/>
           </a:ln>
         </p:spPr>
@@ -8659,6 +8671,9 @@
             <a:avLst/>
           </a:prstGeom>
           <a:ln w="50800">
+            <a:solidFill>
+              <a:srgbClr val="C00000"/>
+            </a:solidFill>
             <a:tailEnd type="triangle"/>
           </a:ln>
         </p:spPr>

--- a/Diapo-&-co/150224 P4 Info 1.pptx
+++ b/Diapo-&-co/150224 P4 Info 1.pptx
@@ -8389,9 +8389,9 @@
           <a:prstGeom prst="bentConnector2">
             <a:avLst/>
           </a:prstGeom>
-          <a:ln>
+          <a:ln w="50800">
             <a:solidFill>
-              <a:schemeClr val="tx1"/>
+              <a:srgbClr val="C00000"/>
             </a:solidFill>
             <a:tailEnd type="triangle"/>
           </a:ln>
@@ -8428,9 +8428,9 @@
           <a:prstGeom prst="bentConnector3">
             <a:avLst/>
           </a:prstGeom>
-          <a:ln w="50800">
+          <a:ln w="12700">
             <a:solidFill>
-              <a:srgbClr val="C00000"/>
+              <a:schemeClr val="tx1"/>
             </a:solidFill>
             <a:tailEnd type="triangle"/>
           </a:ln>
@@ -8749,7 +8749,7 @@
         <p:spPr>
           <a:xfrm>
             <a:off x="3330110" y="972849"/>
-            <a:ext cx="2440092" cy="646331"/>
+            <a:ext cx="2031967" cy="646331"/>
           </a:xfrm>
           <a:prstGeom prst="rect">
             <a:avLst/>
@@ -8770,7 +8770,11 @@
           <a:p>
             <a:r>
               <a:rPr lang="fr-FR" dirty="0" smtClean="0"/>
-              <a:t>Jeu de dame (3 </a:t>
+              <a:t>Jeu de dame </a:t>
+            </a:r>
+            <a:r>
+              <a:rPr lang="fr-FR" dirty="0" smtClean="0"/>
+              <a:t>(4 </a:t>
             </a:r>
             <a:r>
               <a:rPr lang="fr-FR" dirty="0" err="1" smtClean="0"/>
@@ -8792,7 +8796,7 @@
         <p:spPr>
           <a:xfrm>
             <a:off x="1656594" y="2882682"/>
-            <a:ext cx="2446504" cy="923330"/>
+            <a:ext cx="2107565" cy="923330"/>
           </a:xfrm>
           <a:prstGeom prst="rect">
             <a:avLst/>
@@ -8819,7 +8823,11 @@
           <a:p>
             <a:r>
               <a:rPr lang="fr-FR" dirty="0" smtClean="0"/>
-              <a:t>des stratégies (8 </a:t>
+              <a:t>des stratégies </a:t>
+            </a:r>
+            <a:r>
+              <a:rPr lang="fr-FR" dirty="0" smtClean="0"/>
+              <a:t>(7 </a:t>
             </a:r>
             <a:r>
               <a:rPr lang="fr-FR" dirty="0" err="1" smtClean="0"/>
@@ -9150,7 +9158,7 @@
         <p:spPr>
           <a:xfrm>
             <a:off x="2527365" y="1552390"/>
-            <a:ext cx="659155" cy="369332"/>
+            <a:ext cx="647934" cy="369332"/>
           </a:xfrm>
           <a:prstGeom prst="rect">
             <a:avLst/>
@@ -9166,9 +9174,10 @@
               <a:buAutoNum type="arabicPlain" startAt="4"/>
             </a:pPr>
             <a:r>
-              <a:rPr lang="fr-FR" dirty="0" smtClean="0"/>
+              <a:rPr lang="fr-FR" dirty="0"/>
               <a:t>4</a:t>
             </a:r>
+            <a:endParaRPr lang="fr-FR" dirty="0" smtClean="0"/>
           </a:p>
         </p:txBody>
       </p:sp>
@@ -9359,28 +9368,22 @@
       </p:grpSpPr>
       <p:pic>
         <p:nvPicPr>
-          <p:cNvPr id="3" name="Image 2"/>
+          <p:cNvPr id="5" name="Image 4"/>
           <p:cNvPicPr>
             <a:picLocks noChangeAspect="1"/>
           </p:cNvPicPr>
           <p:nvPr/>
         </p:nvPicPr>
         <p:blipFill>
-          <a:blip r:embed="rId2">
-            <a:extLst>
-              <a:ext uri="{28A0092B-C50C-407E-A947-70E740481C1C}">
-                <a14:useLocalDpi xmlns:a14="http://schemas.microsoft.com/office/drawing/2010/main" val="0"/>
-              </a:ext>
-            </a:extLst>
-          </a:blip>
+          <a:blip r:embed="rId2"/>
           <a:stretch>
             <a:fillRect/>
           </a:stretch>
         </p:blipFill>
         <p:spPr>
           <a:xfrm>
-            <a:off x="0" y="3161338"/>
-            <a:ext cx="12192000" cy="3715737"/>
+            <a:off x="0" y="3319662"/>
+            <a:ext cx="12192000" cy="3628182"/>
           </a:xfrm>
           <a:prstGeom prst="rect">
             <a:avLst/>
@@ -9523,7 +9526,7 @@
         </p:nvCxnSpPr>
         <p:spPr>
           <a:xfrm>
-            <a:off x="11957223" y="2330734"/>
+            <a:off x="11957223" y="2578764"/>
             <a:ext cx="0" cy="4320000"/>
           </a:xfrm>
           <a:prstGeom prst="line">
@@ -9559,7 +9562,7 @@
         <p:spPr>
           <a:xfrm>
             <a:off x="2353589" y="1943100"/>
-            <a:ext cx="10161756" cy="338554"/>
+            <a:ext cx="9852825" cy="338554"/>
           </a:xfrm>
           <a:prstGeom prst="rect">
             <a:avLst/>
@@ -9574,7 +9577,15 @@
           <a:p>
             <a:r>
               <a:rPr lang="fr-FR" sz="1600" dirty="0" smtClean="0"/>
-              <a:t>    1</a:t>
+              <a:t>   </a:t>
+            </a:r>
+            <a:r>
+              <a:rPr lang="fr-FR" sz="1600" dirty="0" smtClean="0"/>
+              <a:t>     </a:t>
+            </a:r>
+            <a:r>
+              <a:rPr lang="fr-FR" sz="1600" dirty="0" smtClean="0"/>
+              <a:t>1</a:t>
             </a:r>
             <a:r>
               <a:rPr lang="fr-FR" sz="1600" baseline="30000" dirty="0" smtClean="0"/>
@@ -9582,7 +9593,11 @@
             </a:r>
             <a:r>
               <a:rPr lang="fr-FR" sz="1600" dirty="0" smtClean="0"/>
-              <a:t> revue de projet                   2</a:t>
+              <a:t> revue de projet                   </a:t>
+            </a:r>
+            <a:r>
+              <a:rPr lang="fr-FR" sz="1600" dirty="0" smtClean="0"/>
+              <a:t>       2</a:t>
             </a:r>
             <a:r>
               <a:rPr lang="fr-FR" sz="1600" baseline="30000" dirty="0" smtClean="0"/>
@@ -9590,7 +9605,19 @@
             </a:r>
             <a:r>
               <a:rPr lang="fr-FR" sz="1600" dirty="0" smtClean="0"/>
-              <a:t> revue de projet              3</a:t>
+              <a:t> </a:t>
+            </a:r>
+            <a:r>
+              <a:rPr lang="fr-FR" sz="1600" dirty="0" smtClean="0"/>
+              <a:t>revue de projet            </a:t>
+            </a:r>
+            <a:r>
+              <a:rPr lang="fr-FR" sz="1600" dirty="0" smtClean="0"/>
+              <a:t>                          </a:t>
+            </a:r>
+            <a:r>
+              <a:rPr lang="fr-FR" sz="1600" dirty="0" smtClean="0"/>
+              <a:t>3</a:t>
             </a:r>
             <a:r>
               <a:rPr lang="fr-FR" sz="1600" baseline="30000" dirty="0" smtClean="0"/>
@@ -9689,28 +9716,22 @@
       </p:sp>
       <p:pic>
         <p:nvPicPr>
-          <p:cNvPr id="7" name="Image 6"/>
+          <p:cNvPr id="3" name="Image 2"/>
           <p:cNvPicPr>
             <a:picLocks noChangeAspect="1"/>
           </p:cNvPicPr>
           <p:nvPr/>
         </p:nvPicPr>
         <p:blipFill>
-          <a:blip r:embed="rId2">
-            <a:extLst>
-              <a:ext uri="{28A0092B-C50C-407E-A947-70E740481C1C}">
-                <a14:useLocalDpi xmlns:a14="http://schemas.microsoft.com/office/drawing/2010/main" val="0"/>
-              </a:ext>
-            </a:extLst>
-          </a:blip>
+          <a:blip r:embed="rId2"/>
           <a:stretch>
             <a:fillRect/>
           </a:stretch>
         </p:blipFill>
         <p:spPr>
           <a:xfrm>
-            <a:off x="969056" y="1354091"/>
-            <a:ext cx="8989755" cy="5374501"/>
+            <a:off x="1504950" y="1476375"/>
+            <a:ext cx="8856047" cy="5245100"/>
           </a:xfrm>
           <a:prstGeom prst="rect">
             <a:avLst/>
